--- a/capstone presentation.pptx
+++ b/capstone presentation.pptx
@@ -5,7 +5,7 @@
     <p:sldMasterId id="2147483648" r:id="rId1"/>
   </p:sldMasterIdLst>
   <p:notesMasterIdLst>
-    <p:notesMasterId r:id="rId16"/>
+    <p:notesMasterId r:id="rId18"/>
   </p:notesMasterIdLst>
   <p:sldIdLst>
     <p:sldId id="256" r:id="rId2"/>
@@ -19,9 +19,11 @@
     <p:sldId id="268" r:id="rId10"/>
     <p:sldId id="269" r:id="rId11"/>
     <p:sldId id="263" r:id="rId12"/>
-    <p:sldId id="264" r:id="rId13"/>
-    <p:sldId id="267" r:id="rId14"/>
-    <p:sldId id="265" r:id="rId15"/>
+    <p:sldId id="270" r:id="rId13"/>
+    <p:sldId id="271" r:id="rId14"/>
+    <p:sldId id="264" r:id="rId15"/>
+    <p:sldId id="267" r:id="rId16"/>
+    <p:sldId id="265" r:id="rId17"/>
   </p:sldIdLst>
   <p:sldSz cx="12192000" cy="6858000"/>
   <p:notesSz cx="6858000" cy="9144000"/>
@@ -210,7 +212,7 @@
           <a:p>
             <a:fld id="{FC642DAB-3736-E247-A43B-D7D2D6F45479}" type="datetimeFigureOut">
               <a:rPr lang="en-US" smtClean="0"/>
-              <a:t>5/4/23</a:t>
+              <a:t>5/9/23</a:t>
             </a:fld>
             <a:endParaRPr lang="en-US"/>
           </a:p>
@@ -711,7 +713,7 @@
           <a:p>
             <a:fld id="{3DAFACE2-28B7-6844-8BA5-6F764248A02D}" type="datetimeFigureOut">
               <a:rPr lang="en-US" smtClean="0"/>
-              <a:t>5/4/23</a:t>
+              <a:t>5/9/23</a:t>
             </a:fld>
             <a:endParaRPr lang="en-US"/>
           </a:p>
@@ -911,7 +913,7 @@
           <a:p>
             <a:fld id="{3DAFACE2-28B7-6844-8BA5-6F764248A02D}" type="datetimeFigureOut">
               <a:rPr lang="en-US" smtClean="0"/>
-              <a:t>5/4/23</a:t>
+              <a:t>5/9/23</a:t>
             </a:fld>
             <a:endParaRPr lang="en-US"/>
           </a:p>
@@ -1121,7 +1123,7 @@
           <a:p>
             <a:fld id="{3DAFACE2-28B7-6844-8BA5-6F764248A02D}" type="datetimeFigureOut">
               <a:rPr lang="en-US" smtClean="0"/>
-              <a:t>5/4/23</a:t>
+              <a:t>5/9/23</a:t>
             </a:fld>
             <a:endParaRPr lang="en-US"/>
           </a:p>
@@ -1321,7 +1323,7 @@
           <a:p>
             <a:fld id="{3DAFACE2-28B7-6844-8BA5-6F764248A02D}" type="datetimeFigureOut">
               <a:rPr lang="en-US" smtClean="0"/>
-              <a:t>5/4/23</a:t>
+              <a:t>5/9/23</a:t>
             </a:fld>
             <a:endParaRPr lang="en-US"/>
           </a:p>
@@ -1597,7 +1599,7 @@
           <a:p>
             <a:fld id="{3DAFACE2-28B7-6844-8BA5-6F764248A02D}" type="datetimeFigureOut">
               <a:rPr lang="en-US" smtClean="0"/>
-              <a:t>5/4/23</a:t>
+              <a:t>5/9/23</a:t>
             </a:fld>
             <a:endParaRPr lang="en-US"/>
           </a:p>
@@ -1865,7 +1867,7 @@
           <a:p>
             <a:fld id="{3DAFACE2-28B7-6844-8BA5-6F764248A02D}" type="datetimeFigureOut">
               <a:rPr lang="en-US" smtClean="0"/>
-              <a:t>5/4/23</a:t>
+              <a:t>5/9/23</a:t>
             </a:fld>
             <a:endParaRPr lang="en-US"/>
           </a:p>
@@ -2280,7 +2282,7 @@
           <a:p>
             <a:fld id="{3DAFACE2-28B7-6844-8BA5-6F764248A02D}" type="datetimeFigureOut">
               <a:rPr lang="en-US" smtClean="0"/>
-              <a:t>5/4/23</a:t>
+              <a:t>5/9/23</a:t>
             </a:fld>
             <a:endParaRPr lang="en-US"/>
           </a:p>
@@ -2422,7 +2424,7 @@
           <a:p>
             <a:fld id="{3DAFACE2-28B7-6844-8BA5-6F764248A02D}" type="datetimeFigureOut">
               <a:rPr lang="en-US" smtClean="0"/>
-              <a:t>5/4/23</a:t>
+              <a:t>5/9/23</a:t>
             </a:fld>
             <a:endParaRPr lang="en-US"/>
           </a:p>
@@ -2535,7 +2537,7 @@
           <a:p>
             <a:fld id="{3DAFACE2-28B7-6844-8BA5-6F764248A02D}" type="datetimeFigureOut">
               <a:rPr lang="en-US" smtClean="0"/>
-              <a:t>5/4/23</a:t>
+              <a:t>5/9/23</a:t>
             </a:fld>
             <a:endParaRPr lang="en-US"/>
           </a:p>
@@ -2848,7 +2850,7 @@
           <a:p>
             <a:fld id="{3DAFACE2-28B7-6844-8BA5-6F764248A02D}" type="datetimeFigureOut">
               <a:rPr lang="en-US" smtClean="0"/>
-              <a:t>5/4/23</a:t>
+              <a:t>5/9/23</a:t>
             </a:fld>
             <a:endParaRPr lang="en-US"/>
           </a:p>
@@ -3137,7 +3139,7 @@
           <a:p>
             <a:fld id="{3DAFACE2-28B7-6844-8BA5-6F764248A02D}" type="datetimeFigureOut">
               <a:rPr lang="en-US" smtClean="0"/>
-              <a:t>5/4/23</a:t>
+              <a:t>5/9/23</a:t>
             </a:fld>
             <a:endParaRPr lang="en-US"/>
           </a:p>
@@ -3380,7 +3382,7 @@
           <a:p>
             <a:fld id="{3DAFACE2-28B7-6844-8BA5-6F764248A02D}" type="datetimeFigureOut">
               <a:rPr lang="en-US" smtClean="0"/>
-              <a:t>5/4/23</a:t>
+              <a:t>5/9/23</a:t>
             </a:fld>
             <a:endParaRPr lang="en-US"/>
           </a:p>
@@ -4203,6 +4205,331 @@
           <a:chExt cx="0" cy="0"/>
         </a:xfrm>
       </p:grpSpPr>
+      <p:pic>
+        <p:nvPicPr>
+          <p:cNvPr id="5" name="Content Placeholder 4">
+            <a:extLst>
+              <a:ext uri="{FF2B5EF4-FFF2-40B4-BE49-F238E27FC236}">
+                <a16:creationId xmlns:a16="http://schemas.microsoft.com/office/drawing/2014/main" id="{76DCA737-5389-1B76-8178-64F07C2DA87C}"/>
+              </a:ext>
+            </a:extLst>
+          </p:cNvPr>
+          <p:cNvPicPr>
+            <a:picLocks noGrp="1" noChangeAspect="1"/>
+          </p:cNvPicPr>
+          <p:nvPr>
+            <p:ph idx="1"/>
+          </p:nvPr>
+        </p:nvPicPr>
+        <p:blipFill rotWithShape="1">
+          <a:blip r:embed="rId2"/>
+          <a:srcRect l="86" t="38293" r="21591" b="-2936"/>
+          <a:stretch/>
+        </p:blipFill>
+        <p:spPr>
+          <a:xfrm>
+            <a:off x="4866167" y="102438"/>
+            <a:ext cx="6864626" cy="2115370"/>
+          </a:xfrm>
+        </p:spPr>
+      </p:pic>
+      <p:pic>
+        <p:nvPicPr>
+          <p:cNvPr id="7" name="Picture 6">
+            <a:extLst>
+              <a:ext uri="{FF2B5EF4-FFF2-40B4-BE49-F238E27FC236}">
+                <a16:creationId xmlns:a16="http://schemas.microsoft.com/office/drawing/2014/main" id="{4ECE4A92-AD06-1BF4-14E0-B42C7098DA2A}"/>
+              </a:ext>
+            </a:extLst>
+          </p:cNvPr>
+          <p:cNvPicPr>
+            <a:picLocks noChangeAspect="1"/>
+          </p:cNvPicPr>
+          <p:nvPr/>
+        </p:nvPicPr>
+        <p:blipFill>
+          <a:blip r:embed="rId3"/>
+          <a:stretch>
+            <a:fillRect/>
+          </a:stretch>
+        </p:blipFill>
+        <p:spPr>
+          <a:xfrm>
+            <a:off x="4866167" y="2480495"/>
+            <a:ext cx="5838118" cy="2115370"/>
+          </a:xfrm>
+          <a:prstGeom prst="rect">
+            <a:avLst/>
+          </a:prstGeom>
+        </p:spPr>
+      </p:pic>
+      <p:pic>
+        <p:nvPicPr>
+          <p:cNvPr id="9" name="Picture 8">
+            <a:extLst>
+              <a:ext uri="{FF2B5EF4-FFF2-40B4-BE49-F238E27FC236}">
+                <a16:creationId xmlns:a16="http://schemas.microsoft.com/office/drawing/2014/main" id="{97467FA7-AAF7-6D96-0977-B8A0439464C7}"/>
+              </a:ext>
+            </a:extLst>
+          </p:cNvPr>
+          <p:cNvPicPr>
+            <a:picLocks noChangeAspect="1"/>
+          </p:cNvPicPr>
+          <p:nvPr/>
+        </p:nvPicPr>
+        <p:blipFill>
+          <a:blip r:embed="rId4"/>
+          <a:stretch>
+            <a:fillRect/>
+          </a:stretch>
+        </p:blipFill>
+        <p:spPr>
+          <a:xfrm>
+            <a:off x="4866167" y="4858552"/>
+            <a:ext cx="5778909" cy="1340229"/>
+          </a:xfrm>
+          <a:prstGeom prst="rect">
+            <a:avLst/>
+          </a:prstGeom>
+        </p:spPr>
+      </p:pic>
+      <p:sp>
+        <p:nvSpPr>
+          <p:cNvPr id="10" name="TextBox 9">
+            <a:extLst>
+              <a:ext uri="{FF2B5EF4-FFF2-40B4-BE49-F238E27FC236}">
+                <a16:creationId xmlns:a16="http://schemas.microsoft.com/office/drawing/2014/main" id="{6FFAD634-6B5A-1021-D798-4DA5EF148332}"/>
+              </a:ext>
+            </a:extLst>
+          </p:cNvPr>
+          <p:cNvSpPr txBox="1"/>
+          <p:nvPr/>
+        </p:nvSpPr>
+        <p:spPr>
+          <a:xfrm>
+            <a:off x="1694528" y="775336"/>
+            <a:ext cx="1879232" cy="369332"/>
+          </a:xfrm>
+          <a:prstGeom prst="rect">
+            <a:avLst/>
+          </a:prstGeom>
+          <a:noFill/>
+        </p:spPr>
+        <p:txBody>
+          <a:bodyPr wrap="none" rtlCol="0">
+            <a:spAutoFit/>
+          </a:bodyPr>
+          <a:lstStyle/>
+          <a:p>
+            <a:r>
+              <a:rPr lang="en-US" dirty="0" err="1"/>
+              <a:t>Fact_normal_user</a:t>
+            </a:r>
+            <a:endParaRPr lang="en-US" dirty="0"/>
+          </a:p>
+        </p:txBody>
+      </p:sp>
+      <p:sp>
+        <p:nvSpPr>
+          <p:cNvPr id="11" name="TextBox 10">
+            <a:extLst>
+              <a:ext uri="{FF2B5EF4-FFF2-40B4-BE49-F238E27FC236}">
+                <a16:creationId xmlns:a16="http://schemas.microsoft.com/office/drawing/2014/main" id="{5F0B14C8-0E58-31C5-E684-9D80BD81D090}"/>
+              </a:ext>
+            </a:extLst>
+          </p:cNvPr>
+          <p:cNvSpPr txBox="1"/>
+          <p:nvPr/>
+        </p:nvSpPr>
+        <p:spPr>
+          <a:xfrm>
+            <a:off x="1694528" y="5528666"/>
+            <a:ext cx="1493999" cy="369332"/>
+          </a:xfrm>
+          <a:prstGeom prst="rect">
+            <a:avLst/>
+          </a:prstGeom>
+          <a:noFill/>
+        </p:spPr>
+        <p:txBody>
+          <a:bodyPr wrap="none" rtlCol="0">
+            <a:spAutoFit/>
+          </a:bodyPr>
+          <a:lstStyle/>
+          <a:p>
+            <a:r>
+              <a:rPr lang="en-US" dirty="0" err="1"/>
+              <a:t>Dim_calender</a:t>
+            </a:r>
+            <a:endParaRPr lang="en-US" dirty="0"/>
+          </a:p>
+        </p:txBody>
+      </p:sp>
+      <p:sp>
+        <p:nvSpPr>
+          <p:cNvPr id="12" name="TextBox 11">
+            <a:extLst>
+              <a:ext uri="{FF2B5EF4-FFF2-40B4-BE49-F238E27FC236}">
+                <a16:creationId xmlns:a16="http://schemas.microsoft.com/office/drawing/2014/main" id="{BCCFBB61-E83B-8C6D-72BB-702B2FCB5238}"/>
+              </a:ext>
+            </a:extLst>
+          </p:cNvPr>
+          <p:cNvSpPr txBox="1"/>
+          <p:nvPr/>
+        </p:nvSpPr>
+        <p:spPr>
+          <a:xfrm>
+            <a:off x="1694528" y="3538180"/>
+            <a:ext cx="2254015" cy="369332"/>
+          </a:xfrm>
+          <a:prstGeom prst="rect">
+            <a:avLst/>
+          </a:prstGeom>
+          <a:noFill/>
+        </p:spPr>
+        <p:txBody>
+          <a:bodyPr wrap="none" rtlCol="0">
+            <a:spAutoFit/>
+          </a:bodyPr>
+          <a:lstStyle/>
+          <a:p>
+            <a:r>
+              <a:rPr lang="en-US" dirty="0" err="1"/>
+              <a:t>Dim_stock_daily_data</a:t>
+            </a:r>
+            <a:endParaRPr lang="en-US" dirty="0"/>
+          </a:p>
+        </p:txBody>
+      </p:sp>
+    </p:spTree>
+    <p:extLst>
+      <p:ext uri="{BB962C8B-B14F-4D97-AF65-F5344CB8AC3E}">
+        <p14:creationId xmlns:p14="http://schemas.microsoft.com/office/powerpoint/2010/main" val="2132213840"/>
+      </p:ext>
+    </p:extLst>
+  </p:cSld>
+  <p:clrMapOvr>
+    <a:masterClrMapping/>
+  </p:clrMapOvr>
+</p:sld>
+</file>
+
+<file path=ppt/slides/slide13.xml><?xml version="1.0" encoding="utf-8"?>
+<p:sld xmlns:a="http://schemas.openxmlformats.org/drawingml/2006/main" xmlns:r="http://schemas.openxmlformats.org/officeDocument/2006/relationships" xmlns:p="http://schemas.openxmlformats.org/presentationml/2006/main">
+  <p:cSld>
+    <p:spTree>
+      <p:nvGrpSpPr>
+        <p:cNvPr id="1" name=""/>
+        <p:cNvGrpSpPr/>
+        <p:nvPr/>
+      </p:nvGrpSpPr>
+      <p:grpSpPr>
+        <a:xfrm>
+          <a:off x="0" y="0"/>
+          <a:ext cx="0" cy="0"/>
+          <a:chOff x="0" y="0"/>
+          <a:chExt cx="0" cy="0"/>
+        </a:xfrm>
+      </p:grpSpPr>
+      <p:sp>
+        <p:nvSpPr>
+          <p:cNvPr id="10" name="TextBox 9">
+            <a:extLst>
+              <a:ext uri="{FF2B5EF4-FFF2-40B4-BE49-F238E27FC236}">
+                <a16:creationId xmlns:a16="http://schemas.microsoft.com/office/drawing/2014/main" id="{6FFAD634-6B5A-1021-D798-4DA5EF148332}"/>
+              </a:ext>
+            </a:extLst>
+          </p:cNvPr>
+          <p:cNvSpPr txBox="1"/>
+          <p:nvPr/>
+        </p:nvSpPr>
+        <p:spPr>
+          <a:xfrm>
+            <a:off x="4650379" y="371299"/>
+            <a:ext cx="3295902" cy="369332"/>
+          </a:xfrm>
+          <a:prstGeom prst="rect">
+            <a:avLst/>
+          </a:prstGeom>
+          <a:noFill/>
+        </p:spPr>
+        <p:txBody>
+          <a:bodyPr wrap="none" rtlCol="0">
+            <a:spAutoFit/>
+          </a:bodyPr>
+          <a:lstStyle/>
+          <a:p>
+            <a:r>
+              <a:rPr lang="en-US" dirty="0" err="1"/>
+              <a:t>OBT_normal_user</a:t>
+            </a:r>
+            <a:r>
+              <a:rPr lang="en-US" dirty="0"/>
+              <a:t> (one big table)</a:t>
+            </a:r>
+          </a:p>
+        </p:txBody>
+      </p:sp>
+      <p:pic>
+        <p:nvPicPr>
+          <p:cNvPr id="6" name="Picture 5">
+            <a:extLst>
+              <a:ext uri="{FF2B5EF4-FFF2-40B4-BE49-F238E27FC236}">
+                <a16:creationId xmlns:a16="http://schemas.microsoft.com/office/drawing/2014/main" id="{399A6C3D-418C-685E-0AAD-D5DF8F049AFC}"/>
+              </a:ext>
+            </a:extLst>
+          </p:cNvPr>
+          <p:cNvPicPr>
+            <a:picLocks noChangeAspect="1"/>
+          </p:cNvPicPr>
+          <p:nvPr/>
+        </p:nvPicPr>
+        <p:blipFill>
+          <a:blip r:embed="rId2"/>
+          <a:stretch>
+            <a:fillRect/>
+          </a:stretch>
+        </p:blipFill>
+        <p:spPr>
+          <a:xfrm>
+            <a:off x="1257827" y="1063684"/>
+            <a:ext cx="8736778" cy="4925602"/>
+          </a:xfrm>
+          <a:prstGeom prst="rect">
+            <a:avLst/>
+          </a:prstGeom>
+        </p:spPr>
+      </p:pic>
+    </p:spTree>
+    <p:extLst>
+      <p:ext uri="{BB962C8B-B14F-4D97-AF65-F5344CB8AC3E}">
+        <p14:creationId xmlns:p14="http://schemas.microsoft.com/office/powerpoint/2010/main" val="2708933598"/>
+      </p:ext>
+    </p:extLst>
+  </p:cSld>
+  <p:clrMapOvr>
+    <a:masterClrMapping/>
+  </p:clrMapOvr>
+</p:sld>
+</file>
+
+<file path=ppt/slides/slide14.xml><?xml version="1.0" encoding="utf-8"?>
+<p:sld xmlns:a="http://schemas.openxmlformats.org/drawingml/2006/main" xmlns:r="http://schemas.openxmlformats.org/officeDocument/2006/relationships" xmlns:p="http://schemas.openxmlformats.org/presentationml/2006/main">
+  <p:cSld>
+    <p:spTree>
+      <p:nvGrpSpPr>
+        <p:cNvPr id="1" name=""/>
+        <p:cNvGrpSpPr/>
+        <p:nvPr/>
+      </p:nvGrpSpPr>
+      <p:grpSpPr>
+        <a:xfrm>
+          <a:off x="0" y="0"/>
+          <a:ext cx="0" cy="0"/>
+          <a:chOff x="0" y="0"/>
+          <a:chExt cx="0" cy="0"/>
+        </a:xfrm>
+      </p:grpSpPr>
       <p:sp>
         <p:nvSpPr>
           <p:cNvPr id="2" name="Title 1">
@@ -4348,7 +4675,7 @@
 </p:sld>
 </file>
 
-<file path=ppt/slides/slide13.xml><?xml version="1.0" encoding="utf-8"?>
+<file path=ppt/slides/slide15.xml><?xml version="1.0" encoding="utf-8"?>
 <p:sld xmlns:a="http://schemas.openxmlformats.org/drawingml/2006/main" xmlns:r="http://schemas.openxmlformats.org/officeDocument/2006/relationships" xmlns:p="http://schemas.openxmlformats.org/presentationml/2006/main">
   <p:cSld>
     <p:spTree>
@@ -4470,7 +4797,7 @@
 </p:sld>
 </file>
 
-<file path=ppt/slides/slide14.xml><?xml version="1.0" encoding="utf-8"?>
+<file path=ppt/slides/slide16.xml><?xml version="1.0" encoding="utf-8"?>
 <p:sld xmlns:a="http://schemas.openxmlformats.org/drawingml/2006/main" xmlns:r="http://schemas.openxmlformats.org/officeDocument/2006/relationships" xmlns:p="http://schemas.openxmlformats.org/presentationml/2006/main">
   <p:cSld>
     <p:spTree>
@@ -5374,7 +5701,12 @@
             <p:ph idx="1"/>
           </p:nvPr>
         </p:nvSpPr>
-        <p:spPr/>
+        <p:spPr>
+          <a:xfrm>
+            <a:off x="838200" y="1825625"/>
+            <a:ext cx="6086707" cy="4351338"/>
+          </a:xfrm>
+        </p:spPr>
         <p:txBody>
           <a:bodyPr/>
           <a:lstStyle/>
@@ -5389,6 +5721,13 @@
             <a:r>
               <a:rPr lang="en-US" dirty="0"/>
               <a:t>Did some simple tests only</a:t>
+            </a:r>
+          </a:p>
+          <a:p>
+            <a:pPr lvl="1"/>
+            <a:r>
+              <a:rPr lang="en-US" dirty="0"/>
+              <a:t>Did testing on the Date column mostly because I used it as the primary key</a:t>
             </a:r>
           </a:p>
         </p:txBody>
@@ -5671,7 +6010,7 @@
             </a:pPr>
             <a:r>
               <a:rPr lang="en-US" sz="1500" dirty="0"/>
-              <a:t>Beta is a concept that measures the expected move in a stock relative to movements in the overall market (or referenced index). </a:t>
+              <a:t>Beta is a concept that measures the expected move (volatility) in a stock relative to movements in the overall market (or referenced index). </a:t>
             </a:r>
           </a:p>
           <a:p>
@@ -5770,6 +6109,41 @@
           </a:extLst>
         </p:spPr>
       </p:pic>
+      <p:sp>
+        <p:nvSpPr>
+          <p:cNvPr id="3" name="TextBox 2">
+            <a:extLst>
+              <a:ext uri="{FF2B5EF4-FFF2-40B4-BE49-F238E27FC236}">
+                <a16:creationId xmlns:a16="http://schemas.microsoft.com/office/drawing/2014/main" id="{A6F2A2B1-9292-18A8-F4D9-8BBB0A77F018}"/>
+              </a:ext>
+            </a:extLst>
+          </p:cNvPr>
+          <p:cNvSpPr txBox="1"/>
+          <p:nvPr/>
+        </p:nvSpPr>
+        <p:spPr>
+          <a:xfrm>
+            <a:off x="7522235" y="5538158"/>
+            <a:ext cx="4451230" cy="923330"/>
+          </a:xfrm>
+          <a:prstGeom prst="rect">
+            <a:avLst/>
+          </a:prstGeom>
+          <a:noFill/>
+        </p:spPr>
+        <p:txBody>
+          <a:bodyPr wrap="square" rtlCol="0">
+            <a:spAutoFit/>
+          </a:bodyPr>
+          <a:lstStyle/>
+          <a:p>
+            <a:r>
+              <a:rPr lang="en-US" dirty="0"/>
+              <a:t>TSLA has the highest beta (volatility), and thus is the riskiest stock in this basket of stocks</a:t>
+            </a:r>
+          </a:p>
+        </p:txBody>
+      </p:sp>
     </p:spTree>
     <p:extLst>
       <p:ext uri="{BB962C8B-B14F-4D97-AF65-F5344CB8AC3E}">

--- a/capstone presentation.pptx
+++ b/capstone presentation.pptx
@@ -5,25 +5,27 @@
     <p:sldMasterId id="2147483648" r:id="rId1"/>
   </p:sldMasterIdLst>
   <p:notesMasterIdLst>
-    <p:notesMasterId r:id="rId18"/>
+    <p:notesMasterId r:id="rId20"/>
   </p:notesMasterIdLst>
   <p:sldIdLst>
     <p:sldId id="256" r:id="rId2"/>
     <p:sldId id="257" r:id="rId3"/>
     <p:sldId id="258" r:id="rId4"/>
     <p:sldId id="259" r:id="rId5"/>
-    <p:sldId id="266" r:id="rId6"/>
-    <p:sldId id="260" r:id="rId7"/>
-    <p:sldId id="261" r:id="rId8"/>
-    <p:sldId id="262" r:id="rId9"/>
-    <p:sldId id="268" r:id="rId10"/>
-    <p:sldId id="269" r:id="rId11"/>
-    <p:sldId id="263" r:id="rId12"/>
-    <p:sldId id="270" r:id="rId13"/>
-    <p:sldId id="271" r:id="rId14"/>
-    <p:sldId id="264" r:id="rId15"/>
-    <p:sldId id="267" r:id="rId16"/>
-    <p:sldId id="265" r:id="rId17"/>
+    <p:sldId id="273" r:id="rId6"/>
+    <p:sldId id="266" r:id="rId7"/>
+    <p:sldId id="260" r:id="rId8"/>
+    <p:sldId id="261" r:id="rId9"/>
+    <p:sldId id="262" r:id="rId10"/>
+    <p:sldId id="268" r:id="rId11"/>
+    <p:sldId id="269" r:id="rId12"/>
+    <p:sldId id="272" r:id="rId13"/>
+    <p:sldId id="263" r:id="rId14"/>
+    <p:sldId id="270" r:id="rId15"/>
+    <p:sldId id="271" r:id="rId16"/>
+    <p:sldId id="264" r:id="rId17"/>
+    <p:sldId id="267" r:id="rId18"/>
+    <p:sldId id="265" r:id="rId19"/>
   </p:sldIdLst>
   <p:sldSz cx="12192000" cy="6858000"/>
   <p:notesSz cx="6858000" cy="9144000"/>
@@ -555,6 +557,90 @@
     <p:extLst>
       <p:ext uri="{BB962C8B-B14F-4D97-AF65-F5344CB8AC3E}">
         <p14:creationId xmlns:p14="http://schemas.microsoft.com/office/powerpoint/2010/main" val="3018990796"/>
+      </p:ext>
+    </p:extLst>
+  </p:cSld>
+  <p:clrMapOvr>
+    <a:masterClrMapping/>
+  </p:clrMapOvr>
+</p:notes>
+</file>
+
+<file path=ppt/notesSlides/notesSlide2.xml><?xml version="1.0" encoding="utf-8"?>
+<p:notes xmlns:a="http://schemas.openxmlformats.org/drawingml/2006/main" xmlns:r="http://schemas.openxmlformats.org/officeDocument/2006/relationships" xmlns:p="http://schemas.openxmlformats.org/presentationml/2006/main">
+  <p:cSld>
+    <p:spTree>
+      <p:nvGrpSpPr>
+        <p:cNvPr id="1" name=""/>
+        <p:cNvGrpSpPr/>
+        <p:nvPr/>
+      </p:nvGrpSpPr>
+      <p:grpSpPr>
+        <a:xfrm>
+          <a:off x="0" y="0"/>
+          <a:ext cx="0" cy="0"/>
+          <a:chOff x="0" y="0"/>
+          <a:chExt cx="0" cy="0"/>
+        </a:xfrm>
+      </p:grpSpPr>
+      <p:sp>
+        <p:nvSpPr>
+          <p:cNvPr id="2" name="Slide Image Placeholder 1"/>
+          <p:cNvSpPr>
+            <a:spLocks noGrp="1" noRot="1" noChangeAspect="1"/>
+          </p:cNvSpPr>
+          <p:nvPr>
+            <p:ph type="sldImg"/>
+          </p:nvPr>
+        </p:nvSpPr>
+        <p:spPr/>
+      </p:sp>
+      <p:sp>
+        <p:nvSpPr>
+          <p:cNvPr id="3" name="Notes Placeholder 2"/>
+          <p:cNvSpPr>
+            <a:spLocks noGrp="1"/>
+          </p:cNvSpPr>
+          <p:nvPr>
+            <p:ph type="body" idx="1"/>
+          </p:nvPr>
+        </p:nvSpPr>
+        <p:spPr/>
+        <p:txBody>
+          <a:bodyPr/>
+          <a:lstStyle/>
+          <a:p>
+            <a:endParaRPr lang="en-US" dirty="0"/>
+          </a:p>
+        </p:txBody>
+      </p:sp>
+      <p:sp>
+        <p:nvSpPr>
+          <p:cNvPr id="4" name="Slide Number Placeholder 3"/>
+          <p:cNvSpPr>
+            <a:spLocks noGrp="1"/>
+          </p:cNvSpPr>
+          <p:nvPr>
+            <p:ph type="sldNum" sz="quarter" idx="5"/>
+          </p:nvPr>
+        </p:nvSpPr>
+        <p:spPr/>
+        <p:txBody>
+          <a:bodyPr/>
+          <a:lstStyle/>
+          <a:p>
+            <a:fld id="{96F974D4-5EAF-7243-946C-19EDE1411E2B}" type="slidenum">
+              <a:rPr lang="en-US" smtClean="0"/>
+              <a:t>5</a:t>
+            </a:fld>
+            <a:endParaRPr lang="en-US"/>
+          </a:p>
+        </p:txBody>
+      </p:sp>
+    </p:spTree>
+    <p:extLst>
+      <p:ext uri="{BB962C8B-B14F-4D97-AF65-F5344CB8AC3E}">
+        <p14:creationId xmlns:p14="http://schemas.microsoft.com/office/powerpoint/2010/main" val="1742629367"/>
       </p:ext>
     </p:extLst>
   </p:cSld>
@@ -3890,6 +3976,149 @@
           <p:cNvPr id="2" name="Title 1">
             <a:extLst>
               <a:ext uri="{FF2B5EF4-FFF2-40B4-BE49-F238E27FC236}">
+                <a16:creationId xmlns:a16="http://schemas.microsoft.com/office/drawing/2014/main" id="{7604C34B-2F74-7466-ADD8-A2E17E9E5E2A}"/>
+              </a:ext>
+            </a:extLst>
+          </p:cNvPr>
+          <p:cNvSpPr>
+            <a:spLocks noGrp="1"/>
+          </p:cNvSpPr>
+          <p:nvPr>
+            <p:ph type="title"/>
+          </p:nvPr>
+        </p:nvSpPr>
+        <p:spPr/>
+        <p:txBody>
+          <a:bodyPr/>
+          <a:lstStyle/>
+          <a:p>
+            <a:r>
+              <a:rPr lang="en-US" dirty="0"/>
+              <a:t>Data Orchestration (Airflow)</a:t>
+            </a:r>
+          </a:p>
+        </p:txBody>
+      </p:sp>
+      <p:sp>
+        <p:nvSpPr>
+          <p:cNvPr id="3" name="Content Placeholder 2">
+            <a:extLst>
+              <a:ext uri="{FF2B5EF4-FFF2-40B4-BE49-F238E27FC236}">
+                <a16:creationId xmlns:a16="http://schemas.microsoft.com/office/drawing/2014/main" id="{5D9238FC-5462-033A-DC92-7490DC7DCA78}"/>
+              </a:ext>
+            </a:extLst>
+          </p:cNvPr>
+          <p:cNvSpPr>
+            <a:spLocks noGrp="1"/>
+          </p:cNvSpPr>
+          <p:nvPr>
+            <p:ph idx="1"/>
+          </p:nvPr>
+        </p:nvSpPr>
+        <p:spPr/>
+        <p:txBody>
+          <a:bodyPr/>
+          <a:lstStyle/>
+          <a:p>
+            <a:pPr marL="0" indent="0">
+              <a:buNone/>
+            </a:pPr>
+            <a:r>
+              <a:rPr lang="en-US" dirty="0"/>
+              <a:t>Pros</a:t>
+            </a:r>
+          </a:p>
+          <a:p>
+            <a:r>
+              <a:rPr lang="en-US" dirty="0"/>
+              <a:t>Relatively easy to use and nice to have just one dashboard and diagram for all the tasks.</a:t>
+            </a:r>
+          </a:p>
+          <a:p>
+            <a:pPr marL="0" indent="0">
+              <a:buNone/>
+            </a:pPr>
+            <a:r>
+              <a:rPr lang="en-US" dirty="0"/>
+              <a:t>Cons</a:t>
+            </a:r>
+          </a:p>
+          <a:p>
+            <a:r>
+              <a:rPr lang="en-US" dirty="0"/>
+              <a:t>Using Airflow in this use case is an overkill, not to mention pretty expensive (requires t2.medium in dev and t2.large in prod)</a:t>
+            </a:r>
+          </a:p>
+          <a:p>
+            <a:endParaRPr lang="en-US" dirty="0"/>
+          </a:p>
+        </p:txBody>
+      </p:sp>
+      <p:pic>
+        <p:nvPicPr>
+          <p:cNvPr id="5" name="Picture 4">
+            <a:extLst>
+              <a:ext uri="{FF2B5EF4-FFF2-40B4-BE49-F238E27FC236}">
+                <a16:creationId xmlns:a16="http://schemas.microsoft.com/office/drawing/2014/main" id="{CBB8DEC1-2EEF-278C-E7C4-E33DBBCC3B55}"/>
+              </a:ext>
+            </a:extLst>
+          </p:cNvPr>
+          <p:cNvPicPr>
+            <a:picLocks noChangeAspect="1"/>
+          </p:cNvPicPr>
+          <p:nvPr/>
+        </p:nvPicPr>
+        <p:blipFill>
+          <a:blip r:embed="rId2"/>
+          <a:stretch>
+            <a:fillRect/>
+          </a:stretch>
+        </p:blipFill>
+        <p:spPr>
+          <a:xfrm>
+            <a:off x="2500867" y="4707269"/>
+            <a:ext cx="5829300" cy="2019300"/>
+          </a:xfrm>
+          <a:prstGeom prst="rect">
+            <a:avLst/>
+          </a:prstGeom>
+        </p:spPr>
+      </p:pic>
+    </p:spTree>
+    <p:extLst>
+      <p:ext uri="{BB962C8B-B14F-4D97-AF65-F5344CB8AC3E}">
+        <p14:creationId xmlns:p14="http://schemas.microsoft.com/office/powerpoint/2010/main" val="498566706"/>
+      </p:ext>
+    </p:extLst>
+  </p:cSld>
+  <p:clrMapOvr>
+    <a:masterClrMapping/>
+  </p:clrMapOvr>
+</p:sld>
+</file>
+
+<file path=ppt/slides/slide11.xml><?xml version="1.0" encoding="utf-8"?>
+<p:sld xmlns:a="http://schemas.openxmlformats.org/drawingml/2006/main" xmlns:r="http://schemas.openxmlformats.org/officeDocument/2006/relationships" xmlns:p="http://schemas.openxmlformats.org/presentationml/2006/main">
+  <p:cSld>
+    <p:spTree>
+      <p:nvGrpSpPr>
+        <p:cNvPr id="1" name=""/>
+        <p:cNvGrpSpPr/>
+        <p:nvPr/>
+      </p:nvGrpSpPr>
+      <p:grpSpPr>
+        <a:xfrm>
+          <a:off x="0" y="0"/>
+          <a:ext cx="0" cy="0"/>
+          <a:chOff x="0" y="0"/>
+          <a:chExt cx="0" cy="0"/>
+        </a:xfrm>
+      </p:grpSpPr>
+      <p:sp>
+        <p:nvSpPr>
+          <p:cNvPr id="2" name="Title 1">
+            <a:extLst>
+              <a:ext uri="{FF2B5EF4-FFF2-40B4-BE49-F238E27FC236}">
                 <a16:creationId xmlns:a16="http://schemas.microsoft.com/office/drawing/2014/main" id="{12511EFB-A9B9-E9A6-7868-F1E7CDAFADB7}"/>
               </a:ext>
             </a:extLst>
@@ -4049,7 +4278,7 @@
 </p:sld>
 </file>
 
-<file path=ppt/slides/slide11.xml><?xml version="1.0" encoding="utf-8"?>
+<file path=ppt/slides/slide12.xml><?xml version="1.0" encoding="utf-8"?>
 <p:sld xmlns:a="http://schemas.openxmlformats.org/drawingml/2006/main" xmlns:r="http://schemas.openxmlformats.org/officeDocument/2006/relationships" xmlns:p="http://schemas.openxmlformats.org/presentationml/2006/main">
   <p:cSld>
     <p:spTree>
@@ -4066,6 +4295,665 @@
           <a:chExt cx="0" cy="0"/>
         </a:xfrm>
       </p:grpSpPr>
+      <p:pic>
+        <p:nvPicPr>
+          <p:cNvPr id="5" name="Content Placeholder 4">
+            <a:extLst>
+              <a:ext uri="{FF2B5EF4-FFF2-40B4-BE49-F238E27FC236}">
+                <a16:creationId xmlns:a16="http://schemas.microsoft.com/office/drawing/2014/main" id="{491CDE77-E66B-4DB5-BE45-3F6075CD9B3B}"/>
+              </a:ext>
+            </a:extLst>
+          </p:cNvPr>
+          <p:cNvPicPr>
+            <a:picLocks noGrp="1" noChangeAspect="1"/>
+          </p:cNvPicPr>
+          <p:nvPr>
+            <p:ph idx="1"/>
+          </p:nvPr>
+        </p:nvPicPr>
+        <p:blipFill>
+          <a:blip r:embed="rId2"/>
+          <a:stretch>
+            <a:fillRect/>
+          </a:stretch>
+        </p:blipFill>
+        <p:spPr>
+          <a:xfrm>
+            <a:off x="222991" y="444136"/>
+            <a:ext cx="4370232" cy="1769543"/>
+          </a:xfrm>
+        </p:spPr>
+      </p:pic>
+      <p:sp>
+        <p:nvSpPr>
+          <p:cNvPr id="6" name="TextBox 5">
+            <a:extLst>
+              <a:ext uri="{FF2B5EF4-FFF2-40B4-BE49-F238E27FC236}">
+                <a16:creationId xmlns:a16="http://schemas.microsoft.com/office/drawing/2014/main" id="{99682713-6AB9-D374-AF94-043B0DA2FF34}"/>
+              </a:ext>
+            </a:extLst>
+          </p:cNvPr>
+          <p:cNvSpPr txBox="1"/>
+          <p:nvPr/>
+        </p:nvSpPr>
+        <p:spPr>
+          <a:xfrm>
+            <a:off x="6908801" y="1265016"/>
+            <a:ext cx="3454400" cy="2708434"/>
+          </a:xfrm>
+          <a:prstGeom prst="rect">
+            <a:avLst/>
+          </a:prstGeom>
+          <a:noFill/>
+        </p:spPr>
+        <p:txBody>
+          <a:bodyPr wrap="square" rtlCol="0">
+            <a:spAutoFit/>
+          </a:bodyPr>
+          <a:lstStyle/>
+          <a:p>
+            <a:r>
+              <a:rPr lang="en-US" sz="1000" dirty="0"/>
+              <a:t>CRON Jobs</a:t>
+            </a:r>
+          </a:p>
+          <a:p>
+            <a:endParaRPr lang="en-US" sz="1000" dirty="0"/>
+          </a:p>
+          <a:p>
+            <a:r>
+              <a:rPr lang="en-US" sz="1000" dirty="0"/>
+              <a:t>0 20 * * 1-5</a:t>
+            </a:r>
+          </a:p>
+          <a:p>
+            <a:r>
+              <a:rPr lang="en-US" sz="1000" dirty="0"/>
+              <a:t>Runs python </a:t>
+            </a:r>
+            <a:r>
+              <a:rPr lang="en-US" sz="1000" dirty="0" err="1"/>
+              <a:t>ETL.py</a:t>
+            </a:r>
+            <a:r>
+              <a:rPr lang="en-US" sz="1000" dirty="0"/>
+              <a:t> at 08:00 PM UTC, Monday through Friday</a:t>
+            </a:r>
+          </a:p>
+          <a:p>
+            <a:endParaRPr lang="en-US" sz="1000" dirty="0"/>
+          </a:p>
+          <a:p>
+            <a:r>
+              <a:rPr lang="en-US" sz="1000" dirty="0"/>
+              <a:t>0 5 20 * * 1-5</a:t>
+            </a:r>
+          </a:p>
+          <a:p>
+            <a:r>
+              <a:rPr lang="en-US" sz="1000" dirty="0"/>
+              <a:t>Runs AIRBYTE at 08:05 PM UTC, Monday through Friday</a:t>
+            </a:r>
+          </a:p>
+          <a:p>
+            <a:pPr algn="l"/>
+            <a:endParaRPr lang="en-SG" sz="1000" b="0" i="0" dirty="0">
+              <a:effectLst/>
+              <a:latin typeface="Söhne"/>
+            </a:endParaRPr>
+          </a:p>
+          <a:p>
+            <a:r>
+              <a:rPr lang="en-US" sz="1000" dirty="0"/>
+              <a:t>10 20 * * 1-5</a:t>
+            </a:r>
+            <a:endParaRPr lang="en-SG" sz="1000" b="0" i="0" dirty="0">
+              <a:effectLst/>
+              <a:latin typeface="Söhne"/>
+            </a:endParaRPr>
+          </a:p>
+          <a:p>
+            <a:r>
+              <a:rPr lang="en-US" sz="1000" dirty="0"/>
+              <a:t>Runs DBT Cloud at 08:10 PM UTC, Monday through Friday</a:t>
+            </a:r>
+          </a:p>
+          <a:p>
+            <a:pPr algn="l"/>
+            <a:br>
+              <a:rPr lang="en-SG" sz="1000" b="0" i="0" dirty="0">
+                <a:effectLst/>
+                <a:latin typeface="Söhne"/>
+              </a:rPr>
+            </a:br>
+            <a:endParaRPr lang="en-SG" sz="1000" b="0" i="0" dirty="0">
+              <a:effectLst/>
+              <a:latin typeface="Söhne"/>
+            </a:endParaRPr>
+          </a:p>
+          <a:p>
+            <a:r>
+              <a:rPr lang="en-US" sz="1000" dirty="0"/>
+              <a:t>15 20 * * 1-5</a:t>
+            </a:r>
+            <a:endParaRPr lang="en-SG" sz="1000" b="0" i="0" dirty="0">
+              <a:effectLst/>
+              <a:latin typeface="Söhne"/>
+            </a:endParaRPr>
+          </a:p>
+          <a:p>
+            <a:r>
+              <a:rPr lang="en-US" sz="1000" dirty="0"/>
+              <a:t>Runs </a:t>
+            </a:r>
+            <a:r>
+              <a:rPr lang="en-US" sz="1000" dirty="0" err="1"/>
+              <a:t>ETL.py</a:t>
+            </a:r>
+            <a:r>
+              <a:rPr lang="en-US" sz="1000" dirty="0"/>
+              <a:t> at 08:15 PM UTC, Monday through Friday</a:t>
+            </a:r>
+          </a:p>
+          <a:p>
+            <a:pPr algn="l"/>
+            <a:endParaRPr lang="en-SG" sz="1000" b="0" i="0" dirty="0">
+              <a:effectLst/>
+              <a:latin typeface="Söhne"/>
+            </a:endParaRPr>
+          </a:p>
+          <a:p>
+            <a:pPr algn="l"/>
+            <a:r>
+              <a:rPr lang="en-SG" sz="1000" b="0" i="0" dirty="0">
+                <a:effectLst/>
+                <a:latin typeface="Söhne"/>
+              </a:rPr>
+              <a:t>Cron not needed for </a:t>
+            </a:r>
+            <a:r>
+              <a:rPr lang="en-SG" sz="1000" b="0" i="0" dirty="0" err="1">
+                <a:effectLst/>
+                <a:latin typeface="Söhne"/>
+              </a:rPr>
+              <a:t>Preset</a:t>
+            </a:r>
+            <a:r>
+              <a:rPr lang="en-SG" sz="1000" b="0" i="0" dirty="0">
+                <a:effectLst/>
+                <a:latin typeface="Söhne"/>
+              </a:rPr>
+              <a:t> if you’re just using the </a:t>
+            </a:r>
+            <a:r>
+              <a:rPr lang="en-SG" sz="1000" b="0" i="0" dirty="0" err="1">
+                <a:effectLst/>
+                <a:latin typeface="Söhne"/>
+              </a:rPr>
+              <a:t>preset</a:t>
+            </a:r>
+            <a:r>
+              <a:rPr lang="en-SG" sz="1000" b="0" i="0" dirty="0">
+                <a:effectLst/>
+                <a:latin typeface="Söhne"/>
+              </a:rPr>
+              <a:t> interface when you need it</a:t>
+            </a:r>
+          </a:p>
+        </p:txBody>
+      </p:sp>
+      <p:pic>
+        <p:nvPicPr>
+          <p:cNvPr id="8" name="Picture 7">
+            <a:extLst>
+              <a:ext uri="{FF2B5EF4-FFF2-40B4-BE49-F238E27FC236}">
+                <a16:creationId xmlns:a16="http://schemas.microsoft.com/office/drawing/2014/main" id="{AA067A50-0A21-5C1C-17D9-9FEE96B1629D}"/>
+              </a:ext>
+            </a:extLst>
+          </p:cNvPr>
+          <p:cNvPicPr>
+            <a:picLocks noChangeAspect="1"/>
+          </p:cNvPicPr>
+          <p:nvPr/>
+        </p:nvPicPr>
+        <p:blipFill>
+          <a:blip r:embed="rId3"/>
+          <a:stretch>
+            <a:fillRect/>
+          </a:stretch>
+        </p:blipFill>
+        <p:spPr>
+          <a:xfrm>
+            <a:off x="364067" y="2728369"/>
+            <a:ext cx="4631267" cy="1536037"/>
+          </a:xfrm>
+          <a:prstGeom prst="rect">
+            <a:avLst/>
+          </a:prstGeom>
+        </p:spPr>
+      </p:pic>
+      <p:pic>
+        <p:nvPicPr>
+          <p:cNvPr id="10" name="Picture 9">
+            <a:extLst>
+              <a:ext uri="{FF2B5EF4-FFF2-40B4-BE49-F238E27FC236}">
+                <a16:creationId xmlns:a16="http://schemas.microsoft.com/office/drawing/2014/main" id="{82F8A66E-0399-75D0-73B1-F44DDC70E27F}"/>
+              </a:ext>
+            </a:extLst>
+          </p:cNvPr>
+          <p:cNvPicPr>
+            <a:picLocks noChangeAspect="1"/>
+          </p:cNvPicPr>
+          <p:nvPr/>
+        </p:nvPicPr>
+        <p:blipFill>
+          <a:blip r:embed="rId4"/>
+          <a:stretch>
+            <a:fillRect/>
+          </a:stretch>
+        </p:blipFill>
+        <p:spPr>
+          <a:xfrm>
+            <a:off x="298450" y="5173133"/>
+            <a:ext cx="2587612" cy="1401234"/>
+          </a:xfrm>
+          <a:prstGeom prst="rect">
+            <a:avLst/>
+          </a:prstGeom>
+        </p:spPr>
+      </p:pic>
+      <p:pic>
+        <p:nvPicPr>
+          <p:cNvPr id="12" name="Picture 11">
+            <a:extLst>
+              <a:ext uri="{FF2B5EF4-FFF2-40B4-BE49-F238E27FC236}">
+                <a16:creationId xmlns:a16="http://schemas.microsoft.com/office/drawing/2014/main" id="{E12A313F-DC94-C375-9796-07C26CA8C4A9}"/>
+              </a:ext>
+            </a:extLst>
+          </p:cNvPr>
+          <p:cNvPicPr>
+            <a:picLocks noChangeAspect="1"/>
+          </p:cNvPicPr>
+          <p:nvPr/>
+        </p:nvPicPr>
+        <p:blipFill>
+          <a:blip r:embed="rId5"/>
+          <a:stretch>
+            <a:fillRect/>
+          </a:stretch>
+        </p:blipFill>
+        <p:spPr>
+          <a:xfrm>
+            <a:off x="2967568" y="5025108"/>
+            <a:ext cx="4440766" cy="1832892"/>
+          </a:xfrm>
+          <a:prstGeom prst="rect">
+            <a:avLst/>
+          </a:prstGeom>
+        </p:spPr>
+      </p:pic>
+      <p:pic>
+        <p:nvPicPr>
+          <p:cNvPr id="14" name="Picture 13">
+            <a:extLst>
+              <a:ext uri="{FF2B5EF4-FFF2-40B4-BE49-F238E27FC236}">
+                <a16:creationId xmlns:a16="http://schemas.microsoft.com/office/drawing/2014/main" id="{41E5CF5D-469B-5E88-509D-7C679C33F4DB}"/>
+              </a:ext>
+            </a:extLst>
+          </p:cNvPr>
+          <p:cNvPicPr>
+            <a:picLocks noChangeAspect="1"/>
+          </p:cNvPicPr>
+          <p:nvPr/>
+        </p:nvPicPr>
+        <p:blipFill>
+          <a:blip r:embed="rId6"/>
+          <a:stretch>
+            <a:fillRect/>
+          </a:stretch>
+        </p:blipFill>
+        <p:spPr>
+          <a:xfrm>
+            <a:off x="8520249" y="5039731"/>
+            <a:ext cx="3036026" cy="1729258"/>
+          </a:xfrm>
+          <a:prstGeom prst="rect">
+            <a:avLst/>
+          </a:prstGeom>
+        </p:spPr>
+      </p:pic>
+      <p:cxnSp>
+        <p:nvCxnSpPr>
+          <p:cNvPr id="16" name="Straight Arrow Connector 15">
+            <a:extLst>
+              <a:ext uri="{FF2B5EF4-FFF2-40B4-BE49-F238E27FC236}">
+                <a16:creationId xmlns:a16="http://schemas.microsoft.com/office/drawing/2014/main" id="{77C719B0-8FDA-CB22-91DC-3C6F78BD839D}"/>
+              </a:ext>
+            </a:extLst>
+          </p:cNvPr>
+          <p:cNvCxnSpPr>
+            <a:cxnSpLocks/>
+            <a:stCxn id="5" idx="2"/>
+            <a:endCxn id="8" idx="0"/>
+          </p:cNvCxnSpPr>
+          <p:nvPr/>
+        </p:nvCxnSpPr>
+        <p:spPr>
+          <a:xfrm>
+            <a:off x="2408107" y="2213679"/>
+            <a:ext cx="271594" cy="514690"/>
+          </a:xfrm>
+          <a:prstGeom prst="straightConnector1">
+            <a:avLst/>
+          </a:prstGeom>
+          <a:ln>
+            <a:tailEnd type="triangle"/>
+          </a:ln>
+        </p:spPr>
+        <p:style>
+          <a:lnRef idx="1">
+            <a:schemeClr val="accent1"/>
+          </a:lnRef>
+          <a:fillRef idx="0">
+            <a:schemeClr val="accent1"/>
+          </a:fillRef>
+          <a:effectRef idx="0">
+            <a:schemeClr val="accent1"/>
+          </a:effectRef>
+          <a:fontRef idx="minor">
+            <a:schemeClr val="tx1"/>
+          </a:fontRef>
+        </p:style>
+      </p:cxnSp>
+      <p:cxnSp>
+        <p:nvCxnSpPr>
+          <p:cNvPr id="18" name="Straight Arrow Connector 17">
+            <a:extLst>
+              <a:ext uri="{FF2B5EF4-FFF2-40B4-BE49-F238E27FC236}">
+                <a16:creationId xmlns:a16="http://schemas.microsoft.com/office/drawing/2014/main" id="{98406670-3EDC-5028-580E-0A09AC34C4F7}"/>
+              </a:ext>
+            </a:extLst>
+          </p:cNvPr>
+          <p:cNvCxnSpPr>
+            <a:stCxn id="8" idx="2"/>
+            <a:endCxn id="12" idx="0"/>
+          </p:cNvCxnSpPr>
+          <p:nvPr/>
+        </p:nvCxnSpPr>
+        <p:spPr>
+          <a:xfrm>
+            <a:off x="2679701" y="4264406"/>
+            <a:ext cx="2508250" cy="760702"/>
+          </a:xfrm>
+          <a:prstGeom prst="straightConnector1">
+            <a:avLst/>
+          </a:prstGeom>
+          <a:ln>
+            <a:tailEnd type="triangle"/>
+          </a:ln>
+        </p:spPr>
+        <p:style>
+          <a:lnRef idx="1">
+            <a:schemeClr val="accent1"/>
+          </a:lnRef>
+          <a:fillRef idx="0">
+            <a:schemeClr val="accent1"/>
+          </a:fillRef>
+          <a:effectRef idx="0">
+            <a:schemeClr val="accent1"/>
+          </a:effectRef>
+          <a:fontRef idx="minor">
+            <a:schemeClr val="tx1"/>
+          </a:fontRef>
+        </p:style>
+      </p:cxnSp>
+      <p:cxnSp>
+        <p:nvCxnSpPr>
+          <p:cNvPr id="20" name="Straight Arrow Connector 19">
+            <a:extLst>
+              <a:ext uri="{FF2B5EF4-FFF2-40B4-BE49-F238E27FC236}">
+                <a16:creationId xmlns:a16="http://schemas.microsoft.com/office/drawing/2014/main" id="{185069A9-9619-990B-E473-8E74C42B1101}"/>
+              </a:ext>
+            </a:extLst>
+          </p:cNvPr>
+          <p:cNvCxnSpPr>
+            <a:stCxn id="12" idx="3"/>
+            <a:endCxn id="14" idx="1"/>
+          </p:cNvCxnSpPr>
+          <p:nvPr/>
+        </p:nvCxnSpPr>
+        <p:spPr>
+          <a:xfrm flipV="1">
+            <a:off x="7408334" y="5904360"/>
+            <a:ext cx="1111915" cy="37194"/>
+          </a:xfrm>
+          <a:prstGeom prst="straightConnector1">
+            <a:avLst/>
+          </a:prstGeom>
+          <a:ln>
+            <a:tailEnd type="triangle"/>
+          </a:ln>
+        </p:spPr>
+        <p:style>
+          <a:lnRef idx="1">
+            <a:schemeClr val="accent1"/>
+          </a:lnRef>
+          <a:fillRef idx="0">
+            <a:schemeClr val="accent1"/>
+          </a:fillRef>
+          <a:effectRef idx="0">
+            <a:schemeClr val="accent1"/>
+          </a:effectRef>
+          <a:fontRef idx="minor">
+            <a:schemeClr val="tx1"/>
+          </a:fontRef>
+        </p:style>
+      </p:cxnSp>
+      <p:sp>
+        <p:nvSpPr>
+          <p:cNvPr id="22" name="TextBox 21">
+            <a:extLst>
+              <a:ext uri="{FF2B5EF4-FFF2-40B4-BE49-F238E27FC236}">
+                <a16:creationId xmlns:a16="http://schemas.microsoft.com/office/drawing/2014/main" id="{4369CD5B-16D9-F3E4-8E40-249BFFD5B771}"/>
+              </a:ext>
+            </a:extLst>
+          </p:cNvPr>
+          <p:cNvSpPr txBox="1"/>
+          <p:nvPr/>
+        </p:nvSpPr>
+        <p:spPr>
+          <a:xfrm>
+            <a:off x="2353810" y="153046"/>
+            <a:ext cx="1227516" cy="369332"/>
+          </a:xfrm>
+          <a:prstGeom prst="rect">
+            <a:avLst/>
+          </a:prstGeom>
+          <a:noFill/>
+        </p:spPr>
+        <p:txBody>
+          <a:bodyPr wrap="none" rtlCol="0">
+            <a:spAutoFit/>
+          </a:bodyPr>
+          <a:lstStyle/>
+          <a:p>
+            <a:r>
+              <a:rPr lang="en-US" dirty="0"/>
+              <a:t>Python ETL</a:t>
+            </a:r>
+          </a:p>
+        </p:txBody>
+      </p:sp>
+      <p:sp>
+        <p:nvSpPr>
+          <p:cNvPr id="23" name="TextBox 22">
+            <a:extLst>
+              <a:ext uri="{FF2B5EF4-FFF2-40B4-BE49-F238E27FC236}">
+                <a16:creationId xmlns:a16="http://schemas.microsoft.com/office/drawing/2014/main" id="{FA7FBA8F-8472-932B-E6A7-A44FACA025FA}"/>
+              </a:ext>
+            </a:extLst>
+          </p:cNvPr>
+          <p:cNvSpPr txBox="1"/>
+          <p:nvPr/>
+        </p:nvSpPr>
+        <p:spPr>
+          <a:xfrm>
+            <a:off x="2950075" y="2361705"/>
+            <a:ext cx="955711" cy="369332"/>
+          </a:xfrm>
+          <a:prstGeom prst="rect">
+            <a:avLst/>
+          </a:prstGeom>
+          <a:noFill/>
+        </p:spPr>
+        <p:txBody>
+          <a:bodyPr wrap="none" rtlCol="0">
+            <a:spAutoFit/>
+          </a:bodyPr>
+          <a:lstStyle/>
+          <a:p>
+            <a:r>
+              <a:rPr lang="en-US" dirty="0"/>
+              <a:t>AIRBYTE</a:t>
+            </a:r>
+          </a:p>
+        </p:txBody>
+      </p:sp>
+      <p:sp>
+        <p:nvSpPr>
+          <p:cNvPr id="25" name="TextBox 24">
+            <a:extLst>
+              <a:ext uri="{FF2B5EF4-FFF2-40B4-BE49-F238E27FC236}">
+                <a16:creationId xmlns:a16="http://schemas.microsoft.com/office/drawing/2014/main" id="{CF49362D-4E55-3190-A202-E98E63962143}"/>
+              </a:ext>
+            </a:extLst>
+          </p:cNvPr>
+          <p:cNvSpPr txBox="1"/>
+          <p:nvPr/>
+        </p:nvSpPr>
+        <p:spPr>
+          <a:xfrm>
+            <a:off x="694494" y="4779096"/>
+            <a:ext cx="2098075" cy="369332"/>
+          </a:xfrm>
+          <a:prstGeom prst="rect">
+            <a:avLst/>
+          </a:prstGeom>
+          <a:noFill/>
+        </p:spPr>
+        <p:txBody>
+          <a:bodyPr wrap="none" rtlCol="0">
+            <a:spAutoFit/>
+          </a:bodyPr>
+          <a:lstStyle/>
+          <a:p>
+            <a:r>
+              <a:rPr lang="en-US" dirty="0"/>
+              <a:t>DBT cloud scheduler</a:t>
+            </a:r>
+          </a:p>
+        </p:txBody>
+      </p:sp>
+      <p:sp>
+        <p:nvSpPr>
+          <p:cNvPr id="26" name="TextBox 25">
+            <a:extLst>
+              <a:ext uri="{FF2B5EF4-FFF2-40B4-BE49-F238E27FC236}">
+                <a16:creationId xmlns:a16="http://schemas.microsoft.com/office/drawing/2014/main" id="{8FA8A99A-BA6F-39E5-847B-0CB28D40CE01}"/>
+              </a:ext>
+            </a:extLst>
+          </p:cNvPr>
+          <p:cNvSpPr txBox="1"/>
+          <p:nvPr/>
+        </p:nvSpPr>
+        <p:spPr>
+          <a:xfrm>
+            <a:off x="5201696" y="4855065"/>
+            <a:ext cx="1153906" cy="369332"/>
+          </a:xfrm>
+          <a:prstGeom prst="rect">
+            <a:avLst/>
+          </a:prstGeom>
+          <a:noFill/>
+        </p:spPr>
+        <p:txBody>
+          <a:bodyPr wrap="none" rtlCol="0">
+            <a:spAutoFit/>
+          </a:bodyPr>
+          <a:lstStyle/>
+          <a:p>
+            <a:r>
+              <a:rPr lang="en-US" dirty="0"/>
+              <a:t>DBT Cloud</a:t>
+            </a:r>
+          </a:p>
+        </p:txBody>
+      </p:sp>
+      <p:sp>
+        <p:nvSpPr>
+          <p:cNvPr id="27" name="TextBox 26">
+            <a:extLst>
+              <a:ext uri="{FF2B5EF4-FFF2-40B4-BE49-F238E27FC236}">
+                <a16:creationId xmlns:a16="http://schemas.microsoft.com/office/drawing/2014/main" id="{362D830B-971B-D458-9C84-BF52F7CB5F3D}"/>
+              </a:ext>
+            </a:extLst>
+          </p:cNvPr>
+          <p:cNvSpPr txBox="1"/>
+          <p:nvPr/>
+        </p:nvSpPr>
+        <p:spPr>
+          <a:xfrm>
+            <a:off x="9424504" y="4670399"/>
+            <a:ext cx="776751" cy="369332"/>
+          </a:xfrm>
+          <a:prstGeom prst="rect">
+            <a:avLst/>
+          </a:prstGeom>
+          <a:noFill/>
+        </p:spPr>
+        <p:txBody>
+          <a:bodyPr wrap="none" rtlCol="0">
+            <a:spAutoFit/>
+          </a:bodyPr>
+          <a:lstStyle/>
+          <a:p>
+            <a:r>
+              <a:rPr lang="en-US" dirty="0"/>
+              <a:t>Preset</a:t>
+            </a:r>
+          </a:p>
+        </p:txBody>
+      </p:sp>
+    </p:spTree>
+    <p:extLst>
+      <p:ext uri="{BB962C8B-B14F-4D97-AF65-F5344CB8AC3E}">
+        <p14:creationId xmlns:p14="http://schemas.microsoft.com/office/powerpoint/2010/main" val="1585343420"/>
+      </p:ext>
+    </p:extLst>
+  </p:cSld>
+  <p:clrMapOvr>
+    <a:masterClrMapping/>
+  </p:clrMapOvr>
+</p:sld>
+</file>
+
+<file path=ppt/slides/slide13.xml><?xml version="1.0" encoding="utf-8"?>
+<p:sld xmlns:a="http://schemas.openxmlformats.org/drawingml/2006/main" xmlns:r="http://schemas.openxmlformats.org/officeDocument/2006/relationships" xmlns:p="http://schemas.openxmlformats.org/presentationml/2006/main">
+  <p:cSld>
+    <p:spTree>
+      <p:nvGrpSpPr>
+        <p:cNvPr id="1" name=""/>
+        <p:cNvGrpSpPr/>
+        <p:nvPr/>
+      </p:nvGrpSpPr>
+      <p:grpSpPr>
+        <a:xfrm>
+          <a:off x="0" y="0"/>
+          <a:ext cx="0" cy="0"/>
+          <a:chOff x="0" y="0"/>
+          <a:chExt cx="0" cy="0"/>
+        </a:xfrm>
+      </p:grpSpPr>
       <p:sp>
         <p:nvSpPr>
           <p:cNvPr id="2" name="Title 1">
@@ -4188,7 +5076,7 @@
 </p:sld>
 </file>
 
-<file path=ppt/slides/slide12.xml><?xml version="1.0" encoding="utf-8"?>
+<file path=ppt/slides/slide14.xml><?xml version="1.0" encoding="utf-8"?>
 <p:sld xmlns:a="http://schemas.openxmlformats.org/drawingml/2006/main" xmlns:r="http://schemas.openxmlformats.org/officeDocument/2006/relationships" xmlns:p="http://schemas.openxmlformats.org/presentationml/2006/main">
   <p:cSld>
     <p:spTree>
@@ -4414,7 +5302,7 @@
 </p:sld>
 </file>
 
-<file path=ppt/slides/slide13.xml><?xml version="1.0" encoding="utf-8"?>
+<file path=ppt/slides/slide15.xml><?xml version="1.0" encoding="utf-8"?>
 <p:sld xmlns:a="http://schemas.openxmlformats.org/drawingml/2006/main" xmlns:r="http://schemas.openxmlformats.org/officeDocument/2006/relationships" xmlns:p="http://schemas.openxmlformats.org/presentationml/2006/main">
   <p:cSld>
     <p:spTree>
@@ -4513,7 +5401,7 @@
 </p:sld>
 </file>
 
-<file path=ppt/slides/slide14.xml><?xml version="1.0" encoding="utf-8"?>
+<file path=ppt/slides/slide16.xml><?xml version="1.0" encoding="utf-8"?>
 <p:sld xmlns:a="http://schemas.openxmlformats.org/drawingml/2006/main" xmlns:r="http://schemas.openxmlformats.org/officeDocument/2006/relationships" xmlns:p="http://schemas.openxmlformats.org/presentationml/2006/main">
   <p:cSld>
     <p:spTree>
@@ -4675,7 +5563,7 @@
 </p:sld>
 </file>
 
-<file path=ppt/slides/slide15.xml><?xml version="1.0" encoding="utf-8"?>
+<file path=ppt/slides/slide17.xml><?xml version="1.0" encoding="utf-8"?>
 <p:sld xmlns:a="http://schemas.openxmlformats.org/drawingml/2006/main" xmlns:r="http://schemas.openxmlformats.org/officeDocument/2006/relationships" xmlns:p="http://schemas.openxmlformats.org/presentationml/2006/main">
   <p:cSld>
     <p:spTree>
@@ -4720,35 +5608,6 @@
           </a:p>
         </p:txBody>
       </p:sp>
-      <p:pic>
-        <p:nvPicPr>
-          <p:cNvPr id="5" name="Content Placeholder 4">
-            <a:extLst>
-              <a:ext uri="{FF2B5EF4-FFF2-40B4-BE49-F238E27FC236}">
-                <a16:creationId xmlns:a16="http://schemas.microsoft.com/office/drawing/2014/main" id="{74F4CC77-B4F3-ECD5-5104-4B51C2BAB40A}"/>
-              </a:ext>
-            </a:extLst>
-          </p:cNvPr>
-          <p:cNvPicPr>
-            <a:picLocks noGrp="1" noChangeAspect="1"/>
-          </p:cNvPicPr>
-          <p:nvPr>
-            <p:ph idx="1"/>
-          </p:nvPr>
-        </p:nvPicPr>
-        <p:blipFill>
-          <a:blip r:embed="rId2"/>
-          <a:stretch>
-            <a:fillRect/>
-          </a:stretch>
-        </p:blipFill>
-        <p:spPr>
-          <a:xfrm>
-            <a:off x="2827637" y="1601532"/>
-            <a:ext cx="6860059" cy="4283000"/>
-          </a:xfrm>
-        </p:spPr>
-      </p:pic>
       <p:sp>
         <p:nvSpPr>
           <p:cNvPr id="6" name="TextBox 5">
@@ -4784,6 +5643,35 @@
           </a:p>
         </p:txBody>
       </p:sp>
+      <p:pic>
+        <p:nvPicPr>
+          <p:cNvPr id="12" name="Content Placeholder 11">
+            <a:extLst>
+              <a:ext uri="{FF2B5EF4-FFF2-40B4-BE49-F238E27FC236}">
+                <a16:creationId xmlns:a16="http://schemas.microsoft.com/office/drawing/2014/main" id="{217F794F-D9EE-9AFC-D21A-85F56EA0FDBC}"/>
+              </a:ext>
+            </a:extLst>
+          </p:cNvPr>
+          <p:cNvPicPr>
+            <a:picLocks noGrp="1" noChangeAspect="1"/>
+          </p:cNvPicPr>
+          <p:nvPr>
+            <p:ph idx="1"/>
+          </p:nvPr>
+        </p:nvPicPr>
+        <p:blipFill>
+          <a:blip r:embed="rId2"/>
+          <a:stretch>
+            <a:fillRect/>
+          </a:stretch>
+        </p:blipFill>
+        <p:spPr>
+          <a:xfrm>
+            <a:off x="2276217" y="1485991"/>
+            <a:ext cx="7639565" cy="4351338"/>
+          </a:xfrm>
+        </p:spPr>
+      </p:pic>
     </p:spTree>
     <p:extLst>
       <p:ext uri="{BB962C8B-B14F-4D97-AF65-F5344CB8AC3E}">
@@ -4797,7 +5685,7 @@
 </p:sld>
 </file>
 
-<file path=ppt/slides/slide16.xml><?xml version="1.0" encoding="utf-8"?>
+<file path=ppt/slides/slide18.xml><?xml version="1.0" encoding="utf-8"?>
 <p:sld xmlns:a="http://schemas.openxmlformats.org/drawingml/2006/main" xmlns:r="http://schemas.openxmlformats.org/officeDocument/2006/relationships" xmlns:p="http://schemas.openxmlformats.org/presentationml/2006/main">
   <p:cSld>
     <p:spTree>
@@ -5402,6 +6290,119 @@
           <a:p>
             <a:r>
               <a:rPr lang="en-US" dirty="0"/>
+              <a:t>Reason for Writing </a:t>
+            </a:r>
+            <a:r>
+              <a:rPr lang="en-US"/>
+              <a:t>Custom Python </a:t>
+            </a:r>
+            <a:r>
+              <a:rPr lang="en-US" dirty="0"/>
+              <a:t>S</a:t>
+            </a:r>
+            <a:r>
+              <a:rPr lang="en-US"/>
+              <a:t>cript</a:t>
+            </a:r>
+            <a:endParaRPr lang="en-US" dirty="0"/>
+          </a:p>
+        </p:txBody>
+      </p:sp>
+      <p:sp>
+        <p:nvSpPr>
+          <p:cNvPr id="3" name="Content Placeholder 2">
+            <a:extLst>
+              <a:ext uri="{FF2B5EF4-FFF2-40B4-BE49-F238E27FC236}">
+                <a16:creationId xmlns:a16="http://schemas.microsoft.com/office/drawing/2014/main" id="{44FC921D-24FE-A156-79E4-83CDC7499A31}"/>
+              </a:ext>
+            </a:extLst>
+          </p:cNvPr>
+          <p:cNvSpPr>
+            <a:spLocks noGrp="1"/>
+          </p:cNvSpPr>
+          <p:nvPr>
+            <p:ph idx="1"/>
+          </p:nvPr>
+        </p:nvSpPr>
+        <p:spPr/>
+        <p:txBody>
+          <a:bodyPr/>
+          <a:lstStyle/>
+          <a:p>
+            <a:r>
+              <a:rPr lang="en-US" dirty="0"/>
+              <a:t>Had the intention to do quite a number of customization which could not be done with </a:t>
+            </a:r>
+            <a:r>
+              <a:rPr lang="en-US" dirty="0" err="1"/>
+              <a:t>Airbyte</a:t>
+            </a:r>
+            <a:r>
+              <a:rPr lang="en-US" dirty="0"/>
+              <a:t> but could be done with customized ETL code.</a:t>
+            </a:r>
+          </a:p>
+          <a:p>
+            <a:r>
+              <a:rPr lang="en-US" dirty="0"/>
+              <a:t>Wanted to connect the Postgres DB to an actual UI interface to allow user to change the inputs (which I did not have time to complete)</a:t>
+            </a:r>
+          </a:p>
+        </p:txBody>
+      </p:sp>
+    </p:spTree>
+    <p:extLst>
+      <p:ext uri="{BB962C8B-B14F-4D97-AF65-F5344CB8AC3E}">
+        <p14:creationId xmlns:p14="http://schemas.microsoft.com/office/powerpoint/2010/main" val="975857106"/>
+      </p:ext>
+    </p:extLst>
+  </p:cSld>
+  <p:clrMapOvr>
+    <a:masterClrMapping/>
+  </p:clrMapOvr>
+</p:sld>
+</file>
+
+<file path=ppt/slides/slide5.xml><?xml version="1.0" encoding="utf-8"?>
+<p:sld xmlns:a="http://schemas.openxmlformats.org/drawingml/2006/main" xmlns:r="http://schemas.openxmlformats.org/officeDocument/2006/relationships" xmlns:p="http://schemas.openxmlformats.org/presentationml/2006/main">
+  <p:cSld>
+    <p:spTree>
+      <p:nvGrpSpPr>
+        <p:cNvPr id="1" name=""/>
+        <p:cNvGrpSpPr/>
+        <p:nvPr/>
+      </p:nvGrpSpPr>
+      <p:grpSpPr>
+        <a:xfrm>
+          <a:off x="0" y="0"/>
+          <a:ext cx="0" cy="0"/>
+          <a:chOff x="0" y="0"/>
+          <a:chExt cx="0" cy="0"/>
+        </a:xfrm>
+      </p:grpSpPr>
+      <p:sp>
+        <p:nvSpPr>
+          <p:cNvPr id="2" name="Title 1">
+            <a:extLst>
+              <a:ext uri="{FF2B5EF4-FFF2-40B4-BE49-F238E27FC236}">
+                <a16:creationId xmlns:a16="http://schemas.microsoft.com/office/drawing/2014/main" id="{90D36177-BC81-2852-FD4B-F60813D8ABE8}"/>
+              </a:ext>
+            </a:extLst>
+          </p:cNvPr>
+          <p:cNvSpPr>
+            <a:spLocks noGrp="1"/>
+          </p:cNvSpPr>
+          <p:nvPr>
+            <p:ph type="title"/>
+          </p:nvPr>
+        </p:nvSpPr>
+        <p:spPr/>
+        <p:txBody>
+          <a:bodyPr/>
+          <a:lstStyle/>
+          <a:p>
+            <a:r>
+              <a:rPr lang="en-US" dirty="0"/>
               <a:t>Dataset</a:t>
             </a:r>
           </a:p>
@@ -5486,7 +6487,7 @@
     </p:spTree>
     <p:extLst>
       <p:ext uri="{BB962C8B-B14F-4D97-AF65-F5344CB8AC3E}">
-        <p14:creationId xmlns:p14="http://schemas.microsoft.com/office/powerpoint/2010/main" val="975857106"/>
+        <p14:creationId xmlns:p14="http://schemas.microsoft.com/office/powerpoint/2010/main" val="2446718438"/>
       </p:ext>
     </p:extLst>
   </p:cSld>
@@ -5496,7 +6497,7 @@
 </p:sld>
 </file>
 
-<file path=ppt/slides/slide5.xml><?xml version="1.0" encoding="utf-8"?>
+<file path=ppt/slides/slide6.xml><?xml version="1.0" encoding="utf-8"?>
 <p:sld xmlns:a="http://schemas.openxmlformats.org/drawingml/2006/main" xmlns:r="http://schemas.openxmlformats.org/officeDocument/2006/relationships" xmlns:p="http://schemas.openxmlformats.org/presentationml/2006/main">
   <p:cSld>
     <p:spTree>
@@ -5640,7 +6641,7 @@
 </p:sld>
 </file>
 
-<file path=ppt/slides/slide6.xml><?xml version="1.0" encoding="utf-8"?>
+<file path=ppt/slides/slide7.xml><?xml version="1.0" encoding="utf-8"?>
 <p:sld xmlns:a="http://schemas.openxmlformats.org/drawingml/2006/main" xmlns:r="http://schemas.openxmlformats.org/officeDocument/2006/relationships" xmlns:p="http://schemas.openxmlformats.org/presentationml/2006/main">
   <p:cSld>
     <p:spTree>
@@ -5775,7 +6776,7 @@
 </p:sld>
 </file>
 
-<file path=ppt/slides/slide7.xml><?xml version="1.0" encoding="utf-8"?>
+<file path=ppt/slides/slide8.xml><?xml version="1.0" encoding="utf-8"?>
 <p:sld xmlns:a="http://schemas.openxmlformats.org/drawingml/2006/main" xmlns:r="http://schemas.openxmlformats.org/officeDocument/2006/relationships" xmlns:p="http://schemas.openxmlformats.org/presentationml/2006/main">
   <p:cSld>
     <p:spTree>
@@ -5867,7 +6868,7 @@
 </p:sld>
 </file>
 
-<file path=ppt/slides/slide8.xml><?xml version="1.0" encoding="utf-8"?>
+<file path=ppt/slides/slide9.xml><?xml version="1.0" encoding="utf-8"?>
 <p:sld xmlns:a="http://schemas.openxmlformats.org/drawingml/2006/main" xmlns:r="http://schemas.openxmlformats.org/officeDocument/2006/relationships" xmlns:p="http://schemas.openxmlformats.org/presentationml/2006/main">
   <p:cSld>
     <p:spTree>
@@ -6148,149 +7149,6 @@
     <p:extLst>
       <p:ext uri="{BB962C8B-B14F-4D97-AF65-F5344CB8AC3E}">
         <p14:creationId xmlns:p14="http://schemas.microsoft.com/office/powerpoint/2010/main" val="1645009673"/>
-      </p:ext>
-    </p:extLst>
-  </p:cSld>
-  <p:clrMapOvr>
-    <a:masterClrMapping/>
-  </p:clrMapOvr>
-</p:sld>
-</file>
-
-<file path=ppt/slides/slide9.xml><?xml version="1.0" encoding="utf-8"?>
-<p:sld xmlns:a="http://schemas.openxmlformats.org/drawingml/2006/main" xmlns:r="http://schemas.openxmlformats.org/officeDocument/2006/relationships" xmlns:p="http://schemas.openxmlformats.org/presentationml/2006/main">
-  <p:cSld>
-    <p:spTree>
-      <p:nvGrpSpPr>
-        <p:cNvPr id="1" name=""/>
-        <p:cNvGrpSpPr/>
-        <p:nvPr/>
-      </p:nvGrpSpPr>
-      <p:grpSpPr>
-        <a:xfrm>
-          <a:off x="0" y="0"/>
-          <a:ext cx="0" cy="0"/>
-          <a:chOff x="0" y="0"/>
-          <a:chExt cx="0" cy="0"/>
-        </a:xfrm>
-      </p:grpSpPr>
-      <p:sp>
-        <p:nvSpPr>
-          <p:cNvPr id="2" name="Title 1">
-            <a:extLst>
-              <a:ext uri="{FF2B5EF4-FFF2-40B4-BE49-F238E27FC236}">
-                <a16:creationId xmlns:a16="http://schemas.microsoft.com/office/drawing/2014/main" id="{7604C34B-2F74-7466-ADD8-A2E17E9E5E2A}"/>
-              </a:ext>
-            </a:extLst>
-          </p:cNvPr>
-          <p:cNvSpPr>
-            <a:spLocks noGrp="1"/>
-          </p:cNvSpPr>
-          <p:nvPr>
-            <p:ph type="title"/>
-          </p:nvPr>
-        </p:nvSpPr>
-        <p:spPr/>
-        <p:txBody>
-          <a:bodyPr/>
-          <a:lstStyle/>
-          <a:p>
-            <a:r>
-              <a:rPr lang="en-US" dirty="0"/>
-              <a:t>Data Orchestration (Airflow)</a:t>
-            </a:r>
-          </a:p>
-        </p:txBody>
-      </p:sp>
-      <p:sp>
-        <p:nvSpPr>
-          <p:cNvPr id="3" name="Content Placeholder 2">
-            <a:extLst>
-              <a:ext uri="{FF2B5EF4-FFF2-40B4-BE49-F238E27FC236}">
-                <a16:creationId xmlns:a16="http://schemas.microsoft.com/office/drawing/2014/main" id="{5D9238FC-5462-033A-DC92-7490DC7DCA78}"/>
-              </a:ext>
-            </a:extLst>
-          </p:cNvPr>
-          <p:cNvSpPr>
-            <a:spLocks noGrp="1"/>
-          </p:cNvSpPr>
-          <p:nvPr>
-            <p:ph idx="1"/>
-          </p:nvPr>
-        </p:nvSpPr>
-        <p:spPr/>
-        <p:txBody>
-          <a:bodyPr/>
-          <a:lstStyle/>
-          <a:p>
-            <a:pPr marL="0" indent="0">
-              <a:buNone/>
-            </a:pPr>
-            <a:r>
-              <a:rPr lang="en-US" dirty="0"/>
-              <a:t>Pros</a:t>
-            </a:r>
-          </a:p>
-          <a:p>
-            <a:r>
-              <a:rPr lang="en-US" dirty="0"/>
-              <a:t>Relatively easy to use and nice to have just one dashboard and diagram for all the tasks.</a:t>
-            </a:r>
-          </a:p>
-          <a:p>
-            <a:pPr marL="0" indent="0">
-              <a:buNone/>
-            </a:pPr>
-            <a:r>
-              <a:rPr lang="en-US" dirty="0"/>
-              <a:t>Cons</a:t>
-            </a:r>
-          </a:p>
-          <a:p>
-            <a:r>
-              <a:rPr lang="en-US" dirty="0"/>
-              <a:t>Using Airflow in this use case is an overkill, not to mention pretty expensive (requires t2.medium in dev and t2.large in prod)</a:t>
-            </a:r>
-          </a:p>
-          <a:p>
-            <a:endParaRPr lang="en-US" dirty="0"/>
-          </a:p>
-        </p:txBody>
-      </p:sp>
-      <p:pic>
-        <p:nvPicPr>
-          <p:cNvPr id="5" name="Picture 4">
-            <a:extLst>
-              <a:ext uri="{FF2B5EF4-FFF2-40B4-BE49-F238E27FC236}">
-                <a16:creationId xmlns:a16="http://schemas.microsoft.com/office/drawing/2014/main" id="{CBB8DEC1-2EEF-278C-E7C4-E33DBBCC3B55}"/>
-              </a:ext>
-            </a:extLst>
-          </p:cNvPr>
-          <p:cNvPicPr>
-            <a:picLocks noChangeAspect="1"/>
-          </p:cNvPicPr>
-          <p:nvPr/>
-        </p:nvPicPr>
-        <p:blipFill>
-          <a:blip r:embed="rId2"/>
-          <a:stretch>
-            <a:fillRect/>
-          </a:stretch>
-        </p:blipFill>
-        <p:spPr>
-          <a:xfrm>
-            <a:off x="2500867" y="4707269"/>
-            <a:ext cx="5829300" cy="2019300"/>
-          </a:xfrm>
-          <a:prstGeom prst="rect">
-            <a:avLst/>
-          </a:prstGeom>
-        </p:spPr>
-      </p:pic>
-    </p:spTree>
-    <p:extLst>
-      <p:ext uri="{BB962C8B-B14F-4D97-AF65-F5344CB8AC3E}">
-        <p14:creationId xmlns:p14="http://schemas.microsoft.com/office/powerpoint/2010/main" val="498566706"/>
       </p:ext>
     </p:extLst>
   </p:cSld>

--- a/capstone presentation.pptx
+++ b/capstone presentation.pptx
@@ -5,27 +5,23 @@
     <p:sldMasterId id="2147483648" r:id="rId1"/>
   </p:sldMasterIdLst>
   <p:notesMasterIdLst>
-    <p:notesMasterId r:id="rId20"/>
+    <p:notesMasterId r:id="rId16"/>
   </p:notesMasterIdLst>
   <p:sldIdLst>
     <p:sldId id="256" r:id="rId2"/>
     <p:sldId id="257" r:id="rId3"/>
     <p:sldId id="258" r:id="rId4"/>
     <p:sldId id="259" r:id="rId5"/>
-    <p:sldId id="273" r:id="rId6"/>
-    <p:sldId id="266" r:id="rId7"/>
-    <p:sldId id="260" r:id="rId8"/>
-    <p:sldId id="261" r:id="rId9"/>
-    <p:sldId id="262" r:id="rId10"/>
-    <p:sldId id="268" r:id="rId11"/>
-    <p:sldId id="269" r:id="rId12"/>
-    <p:sldId id="272" r:id="rId13"/>
-    <p:sldId id="263" r:id="rId14"/>
-    <p:sldId id="270" r:id="rId15"/>
-    <p:sldId id="271" r:id="rId16"/>
-    <p:sldId id="264" r:id="rId17"/>
-    <p:sldId id="267" r:id="rId18"/>
-    <p:sldId id="265" r:id="rId19"/>
+    <p:sldId id="266" r:id="rId6"/>
+    <p:sldId id="260" r:id="rId7"/>
+    <p:sldId id="261" r:id="rId8"/>
+    <p:sldId id="262" r:id="rId9"/>
+    <p:sldId id="268" r:id="rId10"/>
+    <p:sldId id="269" r:id="rId11"/>
+    <p:sldId id="263" r:id="rId12"/>
+    <p:sldId id="264" r:id="rId13"/>
+    <p:sldId id="267" r:id="rId14"/>
+    <p:sldId id="265" r:id="rId15"/>
   </p:sldIdLst>
   <p:sldSz cx="12192000" cy="6858000"/>
   <p:notesSz cx="6858000" cy="9144000"/>
@@ -214,7 +210,7 @@
           <a:p>
             <a:fld id="{FC642DAB-3736-E247-A43B-D7D2D6F45479}" type="datetimeFigureOut">
               <a:rPr lang="en-US" smtClean="0"/>
-              <a:t>5/9/23</a:t>
+              <a:t>5/4/23</a:t>
             </a:fld>
             <a:endParaRPr lang="en-US"/>
           </a:p>
@@ -566,90 +562,6 @@
 </p:notes>
 </file>
 
-<file path=ppt/notesSlides/notesSlide2.xml><?xml version="1.0" encoding="utf-8"?>
-<p:notes xmlns:a="http://schemas.openxmlformats.org/drawingml/2006/main" xmlns:r="http://schemas.openxmlformats.org/officeDocument/2006/relationships" xmlns:p="http://schemas.openxmlformats.org/presentationml/2006/main">
-  <p:cSld>
-    <p:spTree>
-      <p:nvGrpSpPr>
-        <p:cNvPr id="1" name=""/>
-        <p:cNvGrpSpPr/>
-        <p:nvPr/>
-      </p:nvGrpSpPr>
-      <p:grpSpPr>
-        <a:xfrm>
-          <a:off x="0" y="0"/>
-          <a:ext cx="0" cy="0"/>
-          <a:chOff x="0" y="0"/>
-          <a:chExt cx="0" cy="0"/>
-        </a:xfrm>
-      </p:grpSpPr>
-      <p:sp>
-        <p:nvSpPr>
-          <p:cNvPr id="2" name="Slide Image Placeholder 1"/>
-          <p:cNvSpPr>
-            <a:spLocks noGrp="1" noRot="1" noChangeAspect="1"/>
-          </p:cNvSpPr>
-          <p:nvPr>
-            <p:ph type="sldImg"/>
-          </p:nvPr>
-        </p:nvSpPr>
-        <p:spPr/>
-      </p:sp>
-      <p:sp>
-        <p:nvSpPr>
-          <p:cNvPr id="3" name="Notes Placeholder 2"/>
-          <p:cNvSpPr>
-            <a:spLocks noGrp="1"/>
-          </p:cNvSpPr>
-          <p:nvPr>
-            <p:ph type="body" idx="1"/>
-          </p:nvPr>
-        </p:nvSpPr>
-        <p:spPr/>
-        <p:txBody>
-          <a:bodyPr/>
-          <a:lstStyle/>
-          <a:p>
-            <a:endParaRPr lang="en-US" dirty="0"/>
-          </a:p>
-        </p:txBody>
-      </p:sp>
-      <p:sp>
-        <p:nvSpPr>
-          <p:cNvPr id="4" name="Slide Number Placeholder 3"/>
-          <p:cNvSpPr>
-            <a:spLocks noGrp="1"/>
-          </p:cNvSpPr>
-          <p:nvPr>
-            <p:ph type="sldNum" sz="quarter" idx="5"/>
-          </p:nvPr>
-        </p:nvSpPr>
-        <p:spPr/>
-        <p:txBody>
-          <a:bodyPr/>
-          <a:lstStyle/>
-          <a:p>
-            <a:fld id="{96F974D4-5EAF-7243-946C-19EDE1411E2B}" type="slidenum">
-              <a:rPr lang="en-US" smtClean="0"/>
-              <a:t>5</a:t>
-            </a:fld>
-            <a:endParaRPr lang="en-US"/>
-          </a:p>
-        </p:txBody>
-      </p:sp>
-    </p:spTree>
-    <p:extLst>
-      <p:ext uri="{BB962C8B-B14F-4D97-AF65-F5344CB8AC3E}">
-        <p14:creationId xmlns:p14="http://schemas.microsoft.com/office/powerpoint/2010/main" val="1742629367"/>
-      </p:ext>
-    </p:extLst>
-  </p:cSld>
-  <p:clrMapOvr>
-    <a:masterClrMapping/>
-  </p:clrMapOvr>
-</p:notes>
-</file>
-
 <file path=ppt/slideLayouts/slideLayout1.xml><?xml version="1.0" encoding="utf-8"?>
 <p:sldLayout xmlns:a="http://schemas.openxmlformats.org/drawingml/2006/main" xmlns:r="http://schemas.openxmlformats.org/officeDocument/2006/relationships" xmlns:p="http://schemas.openxmlformats.org/presentationml/2006/main" type="title" preserve="1">
   <p:cSld name="Title Slide">
@@ -799,7 +711,7 @@
           <a:p>
             <a:fld id="{3DAFACE2-28B7-6844-8BA5-6F764248A02D}" type="datetimeFigureOut">
               <a:rPr lang="en-US" smtClean="0"/>
-              <a:t>5/9/23</a:t>
+              <a:t>5/4/23</a:t>
             </a:fld>
             <a:endParaRPr lang="en-US"/>
           </a:p>
@@ -999,7 +911,7 @@
           <a:p>
             <a:fld id="{3DAFACE2-28B7-6844-8BA5-6F764248A02D}" type="datetimeFigureOut">
               <a:rPr lang="en-US" smtClean="0"/>
-              <a:t>5/9/23</a:t>
+              <a:t>5/4/23</a:t>
             </a:fld>
             <a:endParaRPr lang="en-US"/>
           </a:p>
@@ -1209,7 +1121,7 @@
           <a:p>
             <a:fld id="{3DAFACE2-28B7-6844-8BA5-6F764248A02D}" type="datetimeFigureOut">
               <a:rPr lang="en-US" smtClean="0"/>
-              <a:t>5/9/23</a:t>
+              <a:t>5/4/23</a:t>
             </a:fld>
             <a:endParaRPr lang="en-US"/>
           </a:p>
@@ -1409,7 +1321,7 @@
           <a:p>
             <a:fld id="{3DAFACE2-28B7-6844-8BA5-6F764248A02D}" type="datetimeFigureOut">
               <a:rPr lang="en-US" smtClean="0"/>
-              <a:t>5/9/23</a:t>
+              <a:t>5/4/23</a:t>
             </a:fld>
             <a:endParaRPr lang="en-US"/>
           </a:p>
@@ -1685,7 +1597,7 @@
           <a:p>
             <a:fld id="{3DAFACE2-28B7-6844-8BA5-6F764248A02D}" type="datetimeFigureOut">
               <a:rPr lang="en-US" smtClean="0"/>
-              <a:t>5/9/23</a:t>
+              <a:t>5/4/23</a:t>
             </a:fld>
             <a:endParaRPr lang="en-US"/>
           </a:p>
@@ -1953,7 +1865,7 @@
           <a:p>
             <a:fld id="{3DAFACE2-28B7-6844-8BA5-6F764248A02D}" type="datetimeFigureOut">
               <a:rPr lang="en-US" smtClean="0"/>
-              <a:t>5/9/23</a:t>
+              <a:t>5/4/23</a:t>
             </a:fld>
             <a:endParaRPr lang="en-US"/>
           </a:p>
@@ -2368,7 +2280,7 @@
           <a:p>
             <a:fld id="{3DAFACE2-28B7-6844-8BA5-6F764248A02D}" type="datetimeFigureOut">
               <a:rPr lang="en-US" smtClean="0"/>
-              <a:t>5/9/23</a:t>
+              <a:t>5/4/23</a:t>
             </a:fld>
             <a:endParaRPr lang="en-US"/>
           </a:p>
@@ -2510,7 +2422,7 @@
           <a:p>
             <a:fld id="{3DAFACE2-28B7-6844-8BA5-6F764248A02D}" type="datetimeFigureOut">
               <a:rPr lang="en-US" smtClean="0"/>
-              <a:t>5/9/23</a:t>
+              <a:t>5/4/23</a:t>
             </a:fld>
             <a:endParaRPr lang="en-US"/>
           </a:p>
@@ -2623,7 +2535,7 @@
           <a:p>
             <a:fld id="{3DAFACE2-28B7-6844-8BA5-6F764248A02D}" type="datetimeFigureOut">
               <a:rPr lang="en-US" smtClean="0"/>
-              <a:t>5/9/23</a:t>
+              <a:t>5/4/23</a:t>
             </a:fld>
             <a:endParaRPr lang="en-US"/>
           </a:p>
@@ -2936,7 +2848,7 @@
           <a:p>
             <a:fld id="{3DAFACE2-28B7-6844-8BA5-6F764248A02D}" type="datetimeFigureOut">
               <a:rPr lang="en-US" smtClean="0"/>
-              <a:t>5/9/23</a:t>
+              <a:t>5/4/23</a:t>
             </a:fld>
             <a:endParaRPr lang="en-US"/>
           </a:p>
@@ -3225,7 +3137,7 @@
           <a:p>
             <a:fld id="{3DAFACE2-28B7-6844-8BA5-6F764248A02D}" type="datetimeFigureOut">
               <a:rPr lang="en-US" smtClean="0"/>
-              <a:t>5/9/23</a:t>
+              <a:t>5/4/23</a:t>
             </a:fld>
             <a:endParaRPr lang="en-US"/>
           </a:p>
@@ -3468,7 +3380,7 @@
           <a:p>
             <a:fld id="{3DAFACE2-28B7-6844-8BA5-6F764248A02D}" type="datetimeFigureOut">
               <a:rPr lang="en-US" smtClean="0"/>
-              <a:t>5/9/23</a:t>
+              <a:t>5/4/23</a:t>
             </a:fld>
             <a:endParaRPr lang="en-US"/>
           </a:p>
@@ -3976,149 +3888,6 @@
           <p:cNvPr id="2" name="Title 1">
             <a:extLst>
               <a:ext uri="{FF2B5EF4-FFF2-40B4-BE49-F238E27FC236}">
-                <a16:creationId xmlns:a16="http://schemas.microsoft.com/office/drawing/2014/main" id="{7604C34B-2F74-7466-ADD8-A2E17E9E5E2A}"/>
-              </a:ext>
-            </a:extLst>
-          </p:cNvPr>
-          <p:cNvSpPr>
-            <a:spLocks noGrp="1"/>
-          </p:cNvSpPr>
-          <p:nvPr>
-            <p:ph type="title"/>
-          </p:nvPr>
-        </p:nvSpPr>
-        <p:spPr/>
-        <p:txBody>
-          <a:bodyPr/>
-          <a:lstStyle/>
-          <a:p>
-            <a:r>
-              <a:rPr lang="en-US" dirty="0"/>
-              <a:t>Data Orchestration (Airflow)</a:t>
-            </a:r>
-          </a:p>
-        </p:txBody>
-      </p:sp>
-      <p:sp>
-        <p:nvSpPr>
-          <p:cNvPr id="3" name="Content Placeholder 2">
-            <a:extLst>
-              <a:ext uri="{FF2B5EF4-FFF2-40B4-BE49-F238E27FC236}">
-                <a16:creationId xmlns:a16="http://schemas.microsoft.com/office/drawing/2014/main" id="{5D9238FC-5462-033A-DC92-7490DC7DCA78}"/>
-              </a:ext>
-            </a:extLst>
-          </p:cNvPr>
-          <p:cNvSpPr>
-            <a:spLocks noGrp="1"/>
-          </p:cNvSpPr>
-          <p:nvPr>
-            <p:ph idx="1"/>
-          </p:nvPr>
-        </p:nvSpPr>
-        <p:spPr/>
-        <p:txBody>
-          <a:bodyPr/>
-          <a:lstStyle/>
-          <a:p>
-            <a:pPr marL="0" indent="0">
-              <a:buNone/>
-            </a:pPr>
-            <a:r>
-              <a:rPr lang="en-US" dirty="0"/>
-              <a:t>Pros</a:t>
-            </a:r>
-          </a:p>
-          <a:p>
-            <a:r>
-              <a:rPr lang="en-US" dirty="0"/>
-              <a:t>Relatively easy to use and nice to have just one dashboard and diagram for all the tasks.</a:t>
-            </a:r>
-          </a:p>
-          <a:p>
-            <a:pPr marL="0" indent="0">
-              <a:buNone/>
-            </a:pPr>
-            <a:r>
-              <a:rPr lang="en-US" dirty="0"/>
-              <a:t>Cons</a:t>
-            </a:r>
-          </a:p>
-          <a:p>
-            <a:r>
-              <a:rPr lang="en-US" dirty="0"/>
-              <a:t>Using Airflow in this use case is an overkill, not to mention pretty expensive (requires t2.medium in dev and t2.large in prod)</a:t>
-            </a:r>
-          </a:p>
-          <a:p>
-            <a:endParaRPr lang="en-US" dirty="0"/>
-          </a:p>
-        </p:txBody>
-      </p:sp>
-      <p:pic>
-        <p:nvPicPr>
-          <p:cNvPr id="5" name="Picture 4">
-            <a:extLst>
-              <a:ext uri="{FF2B5EF4-FFF2-40B4-BE49-F238E27FC236}">
-                <a16:creationId xmlns:a16="http://schemas.microsoft.com/office/drawing/2014/main" id="{CBB8DEC1-2EEF-278C-E7C4-E33DBBCC3B55}"/>
-              </a:ext>
-            </a:extLst>
-          </p:cNvPr>
-          <p:cNvPicPr>
-            <a:picLocks noChangeAspect="1"/>
-          </p:cNvPicPr>
-          <p:nvPr/>
-        </p:nvPicPr>
-        <p:blipFill>
-          <a:blip r:embed="rId2"/>
-          <a:stretch>
-            <a:fillRect/>
-          </a:stretch>
-        </p:blipFill>
-        <p:spPr>
-          <a:xfrm>
-            <a:off x="2500867" y="4707269"/>
-            <a:ext cx="5829300" cy="2019300"/>
-          </a:xfrm>
-          <a:prstGeom prst="rect">
-            <a:avLst/>
-          </a:prstGeom>
-        </p:spPr>
-      </p:pic>
-    </p:spTree>
-    <p:extLst>
-      <p:ext uri="{BB962C8B-B14F-4D97-AF65-F5344CB8AC3E}">
-        <p14:creationId xmlns:p14="http://schemas.microsoft.com/office/powerpoint/2010/main" val="498566706"/>
-      </p:ext>
-    </p:extLst>
-  </p:cSld>
-  <p:clrMapOvr>
-    <a:masterClrMapping/>
-  </p:clrMapOvr>
-</p:sld>
-</file>
-
-<file path=ppt/slides/slide11.xml><?xml version="1.0" encoding="utf-8"?>
-<p:sld xmlns:a="http://schemas.openxmlformats.org/drawingml/2006/main" xmlns:r="http://schemas.openxmlformats.org/officeDocument/2006/relationships" xmlns:p="http://schemas.openxmlformats.org/presentationml/2006/main">
-  <p:cSld>
-    <p:spTree>
-      <p:nvGrpSpPr>
-        <p:cNvPr id="1" name=""/>
-        <p:cNvGrpSpPr/>
-        <p:nvPr/>
-      </p:nvGrpSpPr>
-      <p:grpSpPr>
-        <a:xfrm>
-          <a:off x="0" y="0"/>
-          <a:ext cx="0" cy="0"/>
-          <a:chOff x="0" y="0"/>
-          <a:chExt cx="0" cy="0"/>
-        </a:xfrm>
-      </p:grpSpPr>
-      <p:sp>
-        <p:nvSpPr>
-          <p:cNvPr id="2" name="Title 1">
-            <a:extLst>
-              <a:ext uri="{FF2B5EF4-FFF2-40B4-BE49-F238E27FC236}">
                 <a16:creationId xmlns:a16="http://schemas.microsoft.com/office/drawing/2014/main" id="{12511EFB-A9B9-E9A6-7868-F1E7CDAFADB7}"/>
               </a:ext>
             </a:extLst>
@@ -4278,7 +4047,7 @@
 </p:sld>
 </file>
 
-<file path=ppt/slides/slide12.xml><?xml version="1.0" encoding="utf-8"?>
+<file path=ppt/slides/slide11.xml><?xml version="1.0" encoding="utf-8"?>
 <p:sld xmlns:a="http://schemas.openxmlformats.org/drawingml/2006/main" xmlns:r="http://schemas.openxmlformats.org/officeDocument/2006/relationships" xmlns:p="http://schemas.openxmlformats.org/presentationml/2006/main">
   <p:cSld>
     <p:spTree>
@@ -4295,665 +4064,6 @@
           <a:chExt cx="0" cy="0"/>
         </a:xfrm>
       </p:grpSpPr>
-      <p:pic>
-        <p:nvPicPr>
-          <p:cNvPr id="5" name="Content Placeholder 4">
-            <a:extLst>
-              <a:ext uri="{FF2B5EF4-FFF2-40B4-BE49-F238E27FC236}">
-                <a16:creationId xmlns:a16="http://schemas.microsoft.com/office/drawing/2014/main" id="{491CDE77-E66B-4DB5-BE45-3F6075CD9B3B}"/>
-              </a:ext>
-            </a:extLst>
-          </p:cNvPr>
-          <p:cNvPicPr>
-            <a:picLocks noGrp="1" noChangeAspect="1"/>
-          </p:cNvPicPr>
-          <p:nvPr>
-            <p:ph idx="1"/>
-          </p:nvPr>
-        </p:nvPicPr>
-        <p:blipFill>
-          <a:blip r:embed="rId2"/>
-          <a:stretch>
-            <a:fillRect/>
-          </a:stretch>
-        </p:blipFill>
-        <p:spPr>
-          <a:xfrm>
-            <a:off x="222991" y="444136"/>
-            <a:ext cx="4370232" cy="1769543"/>
-          </a:xfrm>
-        </p:spPr>
-      </p:pic>
-      <p:sp>
-        <p:nvSpPr>
-          <p:cNvPr id="6" name="TextBox 5">
-            <a:extLst>
-              <a:ext uri="{FF2B5EF4-FFF2-40B4-BE49-F238E27FC236}">
-                <a16:creationId xmlns:a16="http://schemas.microsoft.com/office/drawing/2014/main" id="{99682713-6AB9-D374-AF94-043B0DA2FF34}"/>
-              </a:ext>
-            </a:extLst>
-          </p:cNvPr>
-          <p:cNvSpPr txBox="1"/>
-          <p:nvPr/>
-        </p:nvSpPr>
-        <p:spPr>
-          <a:xfrm>
-            <a:off x="6908801" y="1265016"/>
-            <a:ext cx="3454400" cy="2708434"/>
-          </a:xfrm>
-          <a:prstGeom prst="rect">
-            <a:avLst/>
-          </a:prstGeom>
-          <a:noFill/>
-        </p:spPr>
-        <p:txBody>
-          <a:bodyPr wrap="square" rtlCol="0">
-            <a:spAutoFit/>
-          </a:bodyPr>
-          <a:lstStyle/>
-          <a:p>
-            <a:r>
-              <a:rPr lang="en-US" sz="1000" dirty="0"/>
-              <a:t>CRON Jobs</a:t>
-            </a:r>
-          </a:p>
-          <a:p>
-            <a:endParaRPr lang="en-US" sz="1000" dirty="0"/>
-          </a:p>
-          <a:p>
-            <a:r>
-              <a:rPr lang="en-US" sz="1000" dirty="0"/>
-              <a:t>0 20 * * 1-5</a:t>
-            </a:r>
-          </a:p>
-          <a:p>
-            <a:r>
-              <a:rPr lang="en-US" sz="1000" dirty="0"/>
-              <a:t>Runs python </a:t>
-            </a:r>
-            <a:r>
-              <a:rPr lang="en-US" sz="1000" dirty="0" err="1"/>
-              <a:t>ETL.py</a:t>
-            </a:r>
-            <a:r>
-              <a:rPr lang="en-US" sz="1000" dirty="0"/>
-              <a:t> at 08:00 PM UTC, Monday through Friday</a:t>
-            </a:r>
-          </a:p>
-          <a:p>
-            <a:endParaRPr lang="en-US" sz="1000" dirty="0"/>
-          </a:p>
-          <a:p>
-            <a:r>
-              <a:rPr lang="en-US" sz="1000" dirty="0"/>
-              <a:t>0 5 20 * * 1-5</a:t>
-            </a:r>
-          </a:p>
-          <a:p>
-            <a:r>
-              <a:rPr lang="en-US" sz="1000" dirty="0"/>
-              <a:t>Runs AIRBYTE at 08:05 PM UTC, Monday through Friday</a:t>
-            </a:r>
-          </a:p>
-          <a:p>
-            <a:pPr algn="l"/>
-            <a:endParaRPr lang="en-SG" sz="1000" b="0" i="0" dirty="0">
-              <a:effectLst/>
-              <a:latin typeface="Söhne"/>
-            </a:endParaRPr>
-          </a:p>
-          <a:p>
-            <a:r>
-              <a:rPr lang="en-US" sz="1000" dirty="0"/>
-              <a:t>10 20 * * 1-5</a:t>
-            </a:r>
-            <a:endParaRPr lang="en-SG" sz="1000" b="0" i="0" dirty="0">
-              <a:effectLst/>
-              <a:latin typeface="Söhne"/>
-            </a:endParaRPr>
-          </a:p>
-          <a:p>
-            <a:r>
-              <a:rPr lang="en-US" sz="1000" dirty="0"/>
-              <a:t>Runs DBT Cloud at 08:10 PM UTC, Monday through Friday</a:t>
-            </a:r>
-          </a:p>
-          <a:p>
-            <a:pPr algn="l"/>
-            <a:br>
-              <a:rPr lang="en-SG" sz="1000" b="0" i="0" dirty="0">
-                <a:effectLst/>
-                <a:latin typeface="Söhne"/>
-              </a:rPr>
-            </a:br>
-            <a:endParaRPr lang="en-SG" sz="1000" b="0" i="0" dirty="0">
-              <a:effectLst/>
-              <a:latin typeface="Söhne"/>
-            </a:endParaRPr>
-          </a:p>
-          <a:p>
-            <a:r>
-              <a:rPr lang="en-US" sz="1000" dirty="0"/>
-              <a:t>15 20 * * 1-5</a:t>
-            </a:r>
-            <a:endParaRPr lang="en-SG" sz="1000" b="0" i="0" dirty="0">
-              <a:effectLst/>
-              <a:latin typeface="Söhne"/>
-            </a:endParaRPr>
-          </a:p>
-          <a:p>
-            <a:r>
-              <a:rPr lang="en-US" sz="1000" dirty="0"/>
-              <a:t>Runs </a:t>
-            </a:r>
-            <a:r>
-              <a:rPr lang="en-US" sz="1000" dirty="0" err="1"/>
-              <a:t>ETL.py</a:t>
-            </a:r>
-            <a:r>
-              <a:rPr lang="en-US" sz="1000" dirty="0"/>
-              <a:t> at 08:15 PM UTC, Monday through Friday</a:t>
-            </a:r>
-          </a:p>
-          <a:p>
-            <a:pPr algn="l"/>
-            <a:endParaRPr lang="en-SG" sz="1000" b="0" i="0" dirty="0">
-              <a:effectLst/>
-              <a:latin typeface="Söhne"/>
-            </a:endParaRPr>
-          </a:p>
-          <a:p>
-            <a:pPr algn="l"/>
-            <a:r>
-              <a:rPr lang="en-SG" sz="1000" b="0" i="0" dirty="0">
-                <a:effectLst/>
-                <a:latin typeface="Söhne"/>
-              </a:rPr>
-              <a:t>Cron not needed for </a:t>
-            </a:r>
-            <a:r>
-              <a:rPr lang="en-SG" sz="1000" b="0" i="0" dirty="0" err="1">
-                <a:effectLst/>
-                <a:latin typeface="Söhne"/>
-              </a:rPr>
-              <a:t>Preset</a:t>
-            </a:r>
-            <a:r>
-              <a:rPr lang="en-SG" sz="1000" b="0" i="0" dirty="0">
-                <a:effectLst/>
-                <a:latin typeface="Söhne"/>
-              </a:rPr>
-              <a:t> if you’re just using the </a:t>
-            </a:r>
-            <a:r>
-              <a:rPr lang="en-SG" sz="1000" b="0" i="0" dirty="0" err="1">
-                <a:effectLst/>
-                <a:latin typeface="Söhne"/>
-              </a:rPr>
-              <a:t>preset</a:t>
-            </a:r>
-            <a:r>
-              <a:rPr lang="en-SG" sz="1000" b="0" i="0" dirty="0">
-                <a:effectLst/>
-                <a:latin typeface="Söhne"/>
-              </a:rPr>
-              <a:t> interface when you need it</a:t>
-            </a:r>
-          </a:p>
-        </p:txBody>
-      </p:sp>
-      <p:pic>
-        <p:nvPicPr>
-          <p:cNvPr id="8" name="Picture 7">
-            <a:extLst>
-              <a:ext uri="{FF2B5EF4-FFF2-40B4-BE49-F238E27FC236}">
-                <a16:creationId xmlns:a16="http://schemas.microsoft.com/office/drawing/2014/main" id="{AA067A50-0A21-5C1C-17D9-9FEE96B1629D}"/>
-              </a:ext>
-            </a:extLst>
-          </p:cNvPr>
-          <p:cNvPicPr>
-            <a:picLocks noChangeAspect="1"/>
-          </p:cNvPicPr>
-          <p:nvPr/>
-        </p:nvPicPr>
-        <p:blipFill>
-          <a:blip r:embed="rId3"/>
-          <a:stretch>
-            <a:fillRect/>
-          </a:stretch>
-        </p:blipFill>
-        <p:spPr>
-          <a:xfrm>
-            <a:off x="364067" y="2728369"/>
-            <a:ext cx="4631267" cy="1536037"/>
-          </a:xfrm>
-          <a:prstGeom prst="rect">
-            <a:avLst/>
-          </a:prstGeom>
-        </p:spPr>
-      </p:pic>
-      <p:pic>
-        <p:nvPicPr>
-          <p:cNvPr id="10" name="Picture 9">
-            <a:extLst>
-              <a:ext uri="{FF2B5EF4-FFF2-40B4-BE49-F238E27FC236}">
-                <a16:creationId xmlns:a16="http://schemas.microsoft.com/office/drawing/2014/main" id="{82F8A66E-0399-75D0-73B1-F44DDC70E27F}"/>
-              </a:ext>
-            </a:extLst>
-          </p:cNvPr>
-          <p:cNvPicPr>
-            <a:picLocks noChangeAspect="1"/>
-          </p:cNvPicPr>
-          <p:nvPr/>
-        </p:nvPicPr>
-        <p:blipFill>
-          <a:blip r:embed="rId4"/>
-          <a:stretch>
-            <a:fillRect/>
-          </a:stretch>
-        </p:blipFill>
-        <p:spPr>
-          <a:xfrm>
-            <a:off x="298450" y="5173133"/>
-            <a:ext cx="2587612" cy="1401234"/>
-          </a:xfrm>
-          <a:prstGeom prst="rect">
-            <a:avLst/>
-          </a:prstGeom>
-        </p:spPr>
-      </p:pic>
-      <p:pic>
-        <p:nvPicPr>
-          <p:cNvPr id="12" name="Picture 11">
-            <a:extLst>
-              <a:ext uri="{FF2B5EF4-FFF2-40B4-BE49-F238E27FC236}">
-                <a16:creationId xmlns:a16="http://schemas.microsoft.com/office/drawing/2014/main" id="{E12A313F-DC94-C375-9796-07C26CA8C4A9}"/>
-              </a:ext>
-            </a:extLst>
-          </p:cNvPr>
-          <p:cNvPicPr>
-            <a:picLocks noChangeAspect="1"/>
-          </p:cNvPicPr>
-          <p:nvPr/>
-        </p:nvPicPr>
-        <p:blipFill>
-          <a:blip r:embed="rId5"/>
-          <a:stretch>
-            <a:fillRect/>
-          </a:stretch>
-        </p:blipFill>
-        <p:spPr>
-          <a:xfrm>
-            <a:off x="2967568" y="5025108"/>
-            <a:ext cx="4440766" cy="1832892"/>
-          </a:xfrm>
-          <a:prstGeom prst="rect">
-            <a:avLst/>
-          </a:prstGeom>
-        </p:spPr>
-      </p:pic>
-      <p:pic>
-        <p:nvPicPr>
-          <p:cNvPr id="14" name="Picture 13">
-            <a:extLst>
-              <a:ext uri="{FF2B5EF4-FFF2-40B4-BE49-F238E27FC236}">
-                <a16:creationId xmlns:a16="http://schemas.microsoft.com/office/drawing/2014/main" id="{41E5CF5D-469B-5E88-509D-7C679C33F4DB}"/>
-              </a:ext>
-            </a:extLst>
-          </p:cNvPr>
-          <p:cNvPicPr>
-            <a:picLocks noChangeAspect="1"/>
-          </p:cNvPicPr>
-          <p:nvPr/>
-        </p:nvPicPr>
-        <p:blipFill>
-          <a:blip r:embed="rId6"/>
-          <a:stretch>
-            <a:fillRect/>
-          </a:stretch>
-        </p:blipFill>
-        <p:spPr>
-          <a:xfrm>
-            <a:off x="8520249" y="5039731"/>
-            <a:ext cx="3036026" cy="1729258"/>
-          </a:xfrm>
-          <a:prstGeom prst="rect">
-            <a:avLst/>
-          </a:prstGeom>
-        </p:spPr>
-      </p:pic>
-      <p:cxnSp>
-        <p:nvCxnSpPr>
-          <p:cNvPr id="16" name="Straight Arrow Connector 15">
-            <a:extLst>
-              <a:ext uri="{FF2B5EF4-FFF2-40B4-BE49-F238E27FC236}">
-                <a16:creationId xmlns:a16="http://schemas.microsoft.com/office/drawing/2014/main" id="{77C719B0-8FDA-CB22-91DC-3C6F78BD839D}"/>
-              </a:ext>
-            </a:extLst>
-          </p:cNvPr>
-          <p:cNvCxnSpPr>
-            <a:cxnSpLocks/>
-            <a:stCxn id="5" idx="2"/>
-            <a:endCxn id="8" idx="0"/>
-          </p:cNvCxnSpPr>
-          <p:nvPr/>
-        </p:nvCxnSpPr>
-        <p:spPr>
-          <a:xfrm>
-            <a:off x="2408107" y="2213679"/>
-            <a:ext cx="271594" cy="514690"/>
-          </a:xfrm>
-          <a:prstGeom prst="straightConnector1">
-            <a:avLst/>
-          </a:prstGeom>
-          <a:ln>
-            <a:tailEnd type="triangle"/>
-          </a:ln>
-        </p:spPr>
-        <p:style>
-          <a:lnRef idx="1">
-            <a:schemeClr val="accent1"/>
-          </a:lnRef>
-          <a:fillRef idx="0">
-            <a:schemeClr val="accent1"/>
-          </a:fillRef>
-          <a:effectRef idx="0">
-            <a:schemeClr val="accent1"/>
-          </a:effectRef>
-          <a:fontRef idx="minor">
-            <a:schemeClr val="tx1"/>
-          </a:fontRef>
-        </p:style>
-      </p:cxnSp>
-      <p:cxnSp>
-        <p:nvCxnSpPr>
-          <p:cNvPr id="18" name="Straight Arrow Connector 17">
-            <a:extLst>
-              <a:ext uri="{FF2B5EF4-FFF2-40B4-BE49-F238E27FC236}">
-                <a16:creationId xmlns:a16="http://schemas.microsoft.com/office/drawing/2014/main" id="{98406670-3EDC-5028-580E-0A09AC34C4F7}"/>
-              </a:ext>
-            </a:extLst>
-          </p:cNvPr>
-          <p:cNvCxnSpPr>
-            <a:stCxn id="8" idx="2"/>
-            <a:endCxn id="12" idx="0"/>
-          </p:cNvCxnSpPr>
-          <p:nvPr/>
-        </p:nvCxnSpPr>
-        <p:spPr>
-          <a:xfrm>
-            <a:off x="2679701" y="4264406"/>
-            <a:ext cx="2508250" cy="760702"/>
-          </a:xfrm>
-          <a:prstGeom prst="straightConnector1">
-            <a:avLst/>
-          </a:prstGeom>
-          <a:ln>
-            <a:tailEnd type="triangle"/>
-          </a:ln>
-        </p:spPr>
-        <p:style>
-          <a:lnRef idx="1">
-            <a:schemeClr val="accent1"/>
-          </a:lnRef>
-          <a:fillRef idx="0">
-            <a:schemeClr val="accent1"/>
-          </a:fillRef>
-          <a:effectRef idx="0">
-            <a:schemeClr val="accent1"/>
-          </a:effectRef>
-          <a:fontRef idx="minor">
-            <a:schemeClr val="tx1"/>
-          </a:fontRef>
-        </p:style>
-      </p:cxnSp>
-      <p:cxnSp>
-        <p:nvCxnSpPr>
-          <p:cNvPr id="20" name="Straight Arrow Connector 19">
-            <a:extLst>
-              <a:ext uri="{FF2B5EF4-FFF2-40B4-BE49-F238E27FC236}">
-                <a16:creationId xmlns:a16="http://schemas.microsoft.com/office/drawing/2014/main" id="{185069A9-9619-990B-E473-8E74C42B1101}"/>
-              </a:ext>
-            </a:extLst>
-          </p:cNvPr>
-          <p:cNvCxnSpPr>
-            <a:stCxn id="12" idx="3"/>
-            <a:endCxn id="14" idx="1"/>
-          </p:cNvCxnSpPr>
-          <p:nvPr/>
-        </p:nvCxnSpPr>
-        <p:spPr>
-          <a:xfrm flipV="1">
-            <a:off x="7408334" y="5904360"/>
-            <a:ext cx="1111915" cy="37194"/>
-          </a:xfrm>
-          <a:prstGeom prst="straightConnector1">
-            <a:avLst/>
-          </a:prstGeom>
-          <a:ln>
-            <a:tailEnd type="triangle"/>
-          </a:ln>
-        </p:spPr>
-        <p:style>
-          <a:lnRef idx="1">
-            <a:schemeClr val="accent1"/>
-          </a:lnRef>
-          <a:fillRef idx="0">
-            <a:schemeClr val="accent1"/>
-          </a:fillRef>
-          <a:effectRef idx="0">
-            <a:schemeClr val="accent1"/>
-          </a:effectRef>
-          <a:fontRef idx="minor">
-            <a:schemeClr val="tx1"/>
-          </a:fontRef>
-        </p:style>
-      </p:cxnSp>
-      <p:sp>
-        <p:nvSpPr>
-          <p:cNvPr id="22" name="TextBox 21">
-            <a:extLst>
-              <a:ext uri="{FF2B5EF4-FFF2-40B4-BE49-F238E27FC236}">
-                <a16:creationId xmlns:a16="http://schemas.microsoft.com/office/drawing/2014/main" id="{4369CD5B-16D9-F3E4-8E40-249BFFD5B771}"/>
-              </a:ext>
-            </a:extLst>
-          </p:cNvPr>
-          <p:cNvSpPr txBox="1"/>
-          <p:nvPr/>
-        </p:nvSpPr>
-        <p:spPr>
-          <a:xfrm>
-            <a:off x="2353810" y="153046"/>
-            <a:ext cx="1227516" cy="369332"/>
-          </a:xfrm>
-          <a:prstGeom prst="rect">
-            <a:avLst/>
-          </a:prstGeom>
-          <a:noFill/>
-        </p:spPr>
-        <p:txBody>
-          <a:bodyPr wrap="none" rtlCol="0">
-            <a:spAutoFit/>
-          </a:bodyPr>
-          <a:lstStyle/>
-          <a:p>
-            <a:r>
-              <a:rPr lang="en-US" dirty="0"/>
-              <a:t>Python ETL</a:t>
-            </a:r>
-          </a:p>
-        </p:txBody>
-      </p:sp>
-      <p:sp>
-        <p:nvSpPr>
-          <p:cNvPr id="23" name="TextBox 22">
-            <a:extLst>
-              <a:ext uri="{FF2B5EF4-FFF2-40B4-BE49-F238E27FC236}">
-                <a16:creationId xmlns:a16="http://schemas.microsoft.com/office/drawing/2014/main" id="{FA7FBA8F-8472-932B-E6A7-A44FACA025FA}"/>
-              </a:ext>
-            </a:extLst>
-          </p:cNvPr>
-          <p:cNvSpPr txBox="1"/>
-          <p:nvPr/>
-        </p:nvSpPr>
-        <p:spPr>
-          <a:xfrm>
-            <a:off x="2950075" y="2361705"/>
-            <a:ext cx="955711" cy="369332"/>
-          </a:xfrm>
-          <a:prstGeom prst="rect">
-            <a:avLst/>
-          </a:prstGeom>
-          <a:noFill/>
-        </p:spPr>
-        <p:txBody>
-          <a:bodyPr wrap="none" rtlCol="0">
-            <a:spAutoFit/>
-          </a:bodyPr>
-          <a:lstStyle/>
-          <a:p>
-            <a:r>
-              <a:rPr lang="en-US" dirty="0"/>
-              <a:t>AIRBYTE</a:t>
-            </a:r>
-          </a:p>
-        </p:txBody>
-      </p:sp>
-      <p:sp>
-        <p:nvSpPr>
-          <p:cNvPr id="25" name="TextBox 24">
-            <a:extLst>
-              <a:ext uri="{FF2B5EF4-FFF2-40B4-BE49-F238E27FC236}">
-                <a16:creationId xmlns:a16="http://schemas.microsoft.com/office/drawing/2014/main" id="{CF49362D-4E55-3190-A202-E98E63962143}"/>
-              </a:ext>
-            </a:extLst>
-          </p:cNvPr>
-          <p:cNvSpPr txBox="1"/>
-          <p:nvPr/>
-        </p:nvSpPr>
-        <p:spPr>
-          <a:xfrm>
-            <a:off x="694494" y="4779096"/>
-            <a:ext cx="2098075" cy="369332"/>
-          </a:xfrm>
-          <a:prstGeom prst="rect">
-            <a:avLst/>
-          </a:prstGeom>
-          <a:noFill/>
-        </p:spPr>
-        <p:txBody>
-          <a:bodyPr wrap="none" rtlCol="0">
-            <a:spAutoFit/>
-          </a:bodyPr>
-          <a:lstStyle/>
-          <a:p>
-            <a:r>
-              <a:rPr lang="en-US" dirty="0"/>
-              <a:t>DBT cloud scheduler</a:t>
-            </a:r>
-          </a:p>
-        </p:txBody>
-      </p:sp>
-      <p:sp>
-        <p:nvSpPr>
-          <p:cNvPr id="26" name="TextBox 25">
-            <a:extLst>
-              <a:ext uri="{FF2B5EF4-FFF2-40B4-BE49-F238E27FC236}">
-                <a16:creationId xmlns:a16="http://schemas.microsoft.com/office/drawing/2014/main" id="{8FA8A99A-BA6F-39E5-847B-0CB28D40CE01}"/>
-              </a:ext>
-            </a:extLst>
-          </p:cNvPr>
-          <p:cNvSpPr txBox="1"/>
-          <p:nvPr/>
-        </p:nvSpPr>
-        <p:spPr>
-          <a:xfrm>
-            <a:off x="5201696" y="4855065"/>
-            <a:ext cx="1153906" cy="369332"/>
-          </a:xfrm>
-          <a:prstGeom prst="rect">
-            <a:avLst/>
-          </a:prstGeom>
-          <a:noFill/>
-        </p:spPr>
-        <p:txBody>
-          <a:bodyPr wrap="none" rtlCol="0">
-            <a:spAutoFit/>
-          </a:bodyPr>
-          <a:lstStyle/>
-          <a:p>
-            <a:r>
-              <a:rPr lang="en-US" dirty="0"/>
-              <a:t>DBT Cloud</a:t>
-            </a:r>
-          </a:p>
-        </p:txBody>
-      </p:sp>
-      <p:sp>
-        <p:nvSpPr>
-          <p:cNvPr id="27" name="TextBox 26">
-            <a:extLst>
-              <a:ext uri="{FF2B5EF4-FFF2-40B4-BE49-F238E27FC236}">
-                <a16:creationId xmlns:a16="http://schemas.microsoft.com/office/drawing/2014/main" id="{362D830B-971B-D458-9C84-BF52F7CB5F3D}"/>
-              </a:ext>
-            </a:extLst>
-          </p:cNvPr>
-          <p:cNvSpPr txBox="1"/>
-          <p:nvPr/>
-        </p:nvSpPr>
-        <p:spPr>
-          <a:xfrm>
-            <a:off x="9424504" y="4670399"/>
-            <a:ext cx="776751" cy="369332"/>
-          </a:xfrm>
-          <a:prstGeom prst="rect">
-            <a:avLst/>
-          </a:prstGeom>
-          <a:noFill/>
-        </p:spPr>
-        <p:txBody>
-          <a:bodyPr wrap="none" rtlCol="0">
-            <a:spAutoFit/>
-          </a:bodyPr>
-          <a:lstStyle/>
-          <a:p>
-            <a:r>
-              <a:rPr lang="en-US" dirty="0"/>
-              <a:t>Preset</a:t>
-            </a:r>
-          </a:p>
-        </p:txBody>
-      </p:sp>
-    </p:spTree>
-    <p:extLst>
-      <p:ext uri="{BB962C8B-B14F-4D97-AF65-F5344CB8AC3E}">
-        <p14:creationId xmlns:p14="http://schemas.microsoft.com/office/powerpoint/2010/main" val="1585343420"/>
-      </p:ext>
-    </p:extLst>
-  </p:cSld>
-  <p:clrMapOvr>
-    <a:masterClrMapping/>
-  </p:clrMapOvr>
-</p:sld>
-</file>
-
-<file path=ppt/slides/slide13.xml><?xml version="1.0" encoding="utf-8"?>
-<p:sld xmlns:a="http://schemas.openxmlformats.org/drawingml/2006/main" xmlns:r="http://schemas.openxmlformats.org/officeDocument/2006/relationships" xmlns:p="http://schemas.openxmlformats.org/presentationml/2006/main">
-  <p:cSld>
-    <p:spTree>
-      <p:nvGrpSpPr>
-        <p:cNvPr id="1" name=""/>
-        <p:cNvGrpSpPr/>
-        <p:nvPr/>
-      </p:nvGrpSpPr>
-      <p:grpSpPr>
-        <a:xfrm>
-          <a:off x="0" y="0"/>
-          <a:ext cx="0" cy="0"/>
-          <a:chOff x="0" y="0"/>
-          <a:chExt cx="0" cy="0"/>
-        </a:xfrm>
-      </p:grpSpPr>
       <p:sp>
         <p:nvSpPr>
           <p:cNvPr id="2" name="Title 1">
@@ -5076,332 +4186,7 @@
 </p:sld>
 </file>
 
-<file path=ppt/slides/slide14.xml><?xml version="1.0" encoding="utf-8"?>
-<p:sld xmlns:a="http://schemas.openxmlformats.org/drawingml/2006/main" xmlns:r="http://schemas.openxmlformats.org/officeDocument/2006/relationships" xmlns:p="http://schemas.openxmlformats.org/presentationml/2006/main">
-  <p:cSld>
-    <p:spTree>
-      <p:nvGrpSpPr>
-        <p:cNvPr id="1" name=""/>
-        <p:cNvGrpSpPr/>
-        <p:nvPr/>
-      </p:nvGrpSpPr>
-      <p:grpSpPr>
-        <a:xfrm>
-          <a:off x="0" y="0"/>
-          <a:ext cx="0" cy="0"/>
-          <a:chOff x="0" y="0"/>
-          <a:chExt cx="0" cy="0"/>
-        </a:xfrm>
-      </p:grpSpPr>
-      <p:pic>
-        <p:nvPicPr>
-          <p:cNvPr id="5" name="Content Placeholder 4">
-            <a:extLst>
-              <a:ext uri="{FF2B5EF4-FFF2-40B4-BE49-F238E27FC236}">
-                <a16:creationId xmlns:a16="http://schemas.microsoft.com/office/drawing/2014/main" id="{76DCA737-5389-1B76-8178-64F07C2DA87C}"/>
-              </a:ext>
-            </a:extLst>
-          </p:cNvPr>
-          <p:cNvPicPr>
-            <a:picLocks noGrp="1" noChangeAspect="1"/>
-          </p:cNvPicPr>
-          <p:nvPr>
-            <p:ph idx="1"/>
-          </p:nvPr>
-        </p:nvPicPr>
-        <p:blipFill rotWithShape="1">
-          <a:blip r:embed="rId2"/>
-          <a:srcRect l="86" t="38293" r="21591" b="-2936"/>
-          <a:stretch/>
-        </p:blipFill>
-        <p:spPr>
-          <a:xfrm>
-            <a:off x="4866167" y="102438"/>
-            <a:ext cx="6864626" cy="2115370"/>
-          </a:xfrm>
-        </p:spPr>
-      </p:pic>
-      <p:pic>
-        <p:nvPicPr>
-          <p:cNvPr id="7" name="Picture 6">
-            <a:extLst>
-              <a:ext uri="{FF2B5EF4-FFF2-40B4-BE49-F238E27FC236}">
-                <a16:creationId xmlns:a16="http://schemas.microsoft.com/office/drawing/2014/main" id="{4ECE4A92-AD06-1BF4-14E0-B42C7098DA2A}"/>
-              </a:ext>
-            </a:extLst>
-          </p:cNvPr>
-          <p:cNvPicPr>
-            <a:picLocks noChangeAspect="1"/>
-          </p:cNvPicPr>
-          <p:nvPr/>
-        </p:nvPicPr>
-        <p:blipFill>
-          <a:blip r:embed="rId3"/>
-          <a:stretch>
-            <a:fillRect/>
-          </a:stretch>
-        </p:blipFill>
-        <p:spPr>
-          <a:xfrm>
-            <a:off x="4866167" y="2480495"/>
-            <a:ext cx="5838118" cy="2115370"/>
-          </a:xfrm>
-          <a:prstGeom prst="rect">
-            <a:avLst/>
-          </a:prstGeom>
-        </p:spPr>
-      </p:pic>
-      <p:pic>
-        <p:nvPicPr>
-          <p:cNvPr id="9" name="Picture 8">
-            <a:extLst>
-              <a:ext uri="{FF2B5EF4-FFF2-40B4-BE49-F238E27FC236}">
-                <a16:creationId xmlns:a16="http://schemas.microsoft.com/office/drawing/2014/main" id="{97467FA7-AAF7-6D96-0977-B8A0439464C7}"/>
-              </a:ext>
-            </a:extLst>
-          </p:cNvPr>
-          <p:cNvPicPr>
-            <a:picLocks noChangeAspect="1"/>
-          </p:cNvPicPr>
-          <p:nvPr/>
-        </p:nvPicPr>
-        <p:blipFill>
-          <a:blip r:embed="rId4"/>
-          <a:stretch>
-            <a:fillRect/>
-          </a:stretch>
-        </p:blipFill>
-        <p:spPr>
-          <a:xfrm>
-            <a:off x="4866167" y="4858552"/>
-            <a:ext cx="5778909" cy="1340229"/>
-          </a:xfrm>
-          <a:prstGeom prst="rect">
-            <a:avLst/>
-          </a:prstGeom>
-        </p:spPr>
-      </p:pic>
-      <p:sp>
-        <p:nvSpPr>
-          <p:cNvPr id="10" name="TextBox 9">
-            <a:extLst>
-              <a:ext uri="{FF2B5EF4-FFF2-40B4-BE49-F238E27FC236}">
-                <a16:creationId xmlns:a16="http://schemas.microsoft.com/office/drawing/2014/main" id="{6FFAD634-6B5A-1021-D798-4DA5EF148332}"/>
-              </a:ext>
-            </a:extLst>
-          </p:cNvPr>
-          <p:cNvSpPr txBox="1"/>
-          <p:nvPr/>
-        </p:nvSpPr>
-        <p:spPr>
-          <a:xfrm>
-            <a:off x="1694528" y="775336"/>
-            <a:ext cx="1879232" cy="369332"/>
-          </a:xfrm>
-          <a:prstGeom prst="rect">
-            <a:avLst/>
-          </a:prstGeom>
-          <a:noFill/>
-        </p:spPr>
-        <p:txBody>
-          <a:bodyPr wrap="none" rtlCol="0">
-            <a:spAutoFit/>
-          </a:bodyPr>
-          <a:lstStyle/>
-          <a:p>
-            <a:r>
-              <a:rPr lang="en-US" dirty="0" err="1"/>
-              <a:t>Fact_normal_user</a:t>
-            </a:r>
-            <a:endParaRPr lang="en-US" dirty="0"/>
-          </a:p>
-        </p:txBody>
-      </p:sp>
-      <p:sp>
-        <p:nvSpPr>
-          <p:cNvPr id="11" name="TextBox 10">
-            <a:extLst>
-              <a:ext uri="{FF2B5EF4-FFF2-40B4-BE49-F238E27FC236}">
-                <a16:creationId xmlns:a16="http://schemas.microsoft.com/office/drawing/2014/main" id="{5F0B14C8-0E58-31C5-E684-9D80BD81D090}"/>
-              </a:ext>
-            </a:extLst>
-          </p:cNvPr>
-          <p:cNvSpPr txBox="1"/>
-          <p:nvPr/>
-        </p:nvSpPr>
-        <p:spPr>
-          <a:xfrm>
-            <a:off x="1694528" y="5528666"/>
-            <a:ext cx="1493999" cy="369332"/>
-          </a:xfrm>
-          <a:prstGeom prst="rect">
-            <a:avLst/>
-          </a:prstGeom>
-          <a:noFill/>
-        </p:spPr>
-        <p:txBody>
-          <a:bodyPr wrap="none" rtlCol="0">
-            <a:spAutoFit/>
-          </a:bodyPr>
-          <a:lstStyle/>
-          <a:p>
-            <a:r>
-              <a:rPr lang="en-US" dirty="0" err="1"/>
-              <a:t>Dim_calender</a:t>
-            </a:r>
-            <a:endParaRPr lang="en-US" dirty="0"/>
-          </a:p>
-        </p:txBody>
-      </p:sp>
-      <p:sp>
-        <p:nvSpPr>
-          <p:cNvPr id="12" name="TextBox 11">
-            <a:extLst>
-              <a:ext uri="{FF2B5EF4-FFF2-40B4-BE49-F238E27FC236}">
-                <a16:creationId xmlns:a16="http://schemas.microsoft.com/office/drawing/2014/main" id="{BCCFBB61-E83B-8C6D-72BB-702B2FCB5238}"/>
-              </a:ext>
-            </a:extLst>
-          </p:cNvPr>
-          <p:cNvSpPr txBox="1"/>
-          <p:nvPr/>
-        </p:nvSpPr>
-        <p:spPr>
-          <a:xfrm>
-            <a:off x="1694528" y="3538180"/>
-            <a:ext cx="2254015" cy="369332"/>
-          </a:xfrm>
-          <a:prstGeom prst="rect">
-            <a:avLst/>
-          </a:prstGeom>
-          <a:noFill/>
-        </p:spPr>
-        <p:txBody>
-          <a:bodyPr wrap="none" rtlCol="0">
-            <a:spAutoFit/>
-          </a:bodyPr>
-          <a:lstStyle/>
-          <a:p>
-            <a:r>
-              <a:rPr lang="en-US" dirty="0" err="1"/>
-              <a:t>Dim_stock_daily_data</a:t>
-            </a:r>
-            <a:endParaRPr lang="en-US" dirty="0"/>
-          </a:p>
-        </p:txBody>
-      </p:sp>
-    </p:spTree>
-    <p:extLst>
-      <p:ext uri="{BB962C8B-B14F-4D97-AF65-F5344CB8AC3E}">
-        <p14:creationId xmlns:p14="http://schemas.microsoft.com/office/powerpoint/2010/main" val="2132213840"/>
-      </p:ext>
-    </p:extLst>
-  </p:cSld>
-  <p:clrMapOvr>
-    <a:masterClrMapping/>
-  </p:clrMapOvr>
-</p:sld>
-</file>
-
-<file path=ppt/slides/slide15.xml><?xml version="1.0" encoding="utf-8"?>
-<p:sld xmlns:a="http://schemas.openxmlformats.org/drawingml/2006/main" xmlns:r="http://schemas.openxmlformats.org/officeDocument/2006/relationships" xmlns:p="http://schemas.openxmlformats.org/presentationml/2006/main">
-  <p:cSld>
-    <p:spTree>
-      <p:nvGrpSpPr>
-        <p:cNvPr id="1" name=""/>
-        <p:cNvGrpSpPr/>
-        <p:nvPr/>
-      </p:nvGrpSpPr>
-      <p:grpSpPr>
-        <a:xfrm>
-          <a:off x="0" y="0"/>
-          <a:ext cx="0" cy="0"/>
-          <a:chOff x="0" y="0"/>
-          <a:chExt cx="0" cy="0"/>
-        </a:xfrm>
-      </p:grpSpPr>
-      <p:sp>
-        <p:nvSpPr>
-          <p:cNvPr id="10" name="TextBox 9">
-            <a:extLst>
-              <a:ext uri="{FF2B5EF4-FFF2-40B4-BE49-F238E27FC236}">
-                <a16:creationId xmlns:a16="http://schemas.microsoft.com/office/drawing/2014/main" id="{6FFAD634-6B5A-1021-D798-4DA5EF148332}"/>
-              </a:ext>
-            </a:extLst>
-          </p:cNvPr>
-          <p:cNvSpPr txBox="1"/>
-          <p:nvPr/>
-        </p:nvSpPr>
-        <p:spPr>
-          <a:xfrm>
-            <a:off x="4650379" y="371299"/>
-            <a:ext cx="3295902" cy="369332"/>
-          </a:xfrm>
-          <a:prstGeom prst="rect">
-            <a:avLst/>
-          </a:prstGeom>
-          <a:noFill/>
-        </p:spPr>
-        <p:txBody>
-          <a:bodyPr wrap="none" rtlCol="0">
-            <a:spAutoFit/>
-          </a:bodyPr>
-          <a:lstStyle/>
-          <a:p>
-            <a:r>
-              <a:rPr lang="en-US" dirty="0" err="1"/>
-              <a:t>OBT_normal_user</a:t>
-            </a:r>
-            <a:r>
-              <a:rPr lang="en-US" dirty="0"/>
-              <a:t> (one big table)</a:t>
-            </a:r>
-          </a:p>
-        </p:txBody>
-      </p:sp>
-      <p:pic>
-        <p:nvPicPr>
-          <p:cNvPr id="6" name="Picture 5">
-            <a:extLst>
-              <a:ext uri="{FF2B5EF4-FFF2-40B4-BE49-F238E27FC236}">
-                <a16:creationId xmlns:a16="http://schemas.microsoft.com/office/drawing/2014/main" id="{399A6C3D-418C-685E-0AAD-D5DF8F049AFC}"/>
-              </a:ext>
-            </a:extLst>
-          </p:cNvPr>
-          <p:cNvPicPr>
-            <a:picLocks noChangeAspect="1"/>
-          </p:cNvPicPr>
-          <p:nvPr/>
-        </p:nvPicPr>
-        <p:blipFill>
-          <a:blip r:embed="rId2"/>
-          <a:stretch>
-            <a:fillRect/>
-          </a:stretch>
-        </p:blipFill>
-        <p:spPr>
-          <a:xfrm>
-            <a:off x="1257827" y="1063684"/>
-            <a:ext cx="8736778" cy="4925602"/>
-          </a:xfrm>
-          <a:prstGeom prst="rect">
-            <a:avLst/>
-          </a:prstGeom>
-        </p:spPr>
-      </p:pic>
-    </p:spTree>
-    <p:extLst>
-      <p:ext uri="{BB962C8B-B14F-4D97-AF65-F5344CB8AC3E}">
-        <p14:creationId xmlns:p14="http://schemas.microsoft.com/office/powerpoint/2010/main" val="2708933598"/>
-      </p:ext>
-    </p:extLst>
-  </p:cSld>
-  <p:clrMapOvr>
-    <a:masterClrMapping/>
-  </p:clrMapOvr>
-</p:sld>
-</file>
-
-<file path=ppt/slides/slide16.xml><?xml version="1.0" encoding="utf-8"?>
+<file path=ppt/slides/slide12.xml><?xml version="1.0" encoding="utf-8"?>
 <p:sld xmlns:a="http://schemas.openxmlformats.org/drawingml/2006/main" xmlns:r="http://schemas.openxmlformats.org/officeDocument/2006/relationships" xmlns:p="http://schemas.openxmlformats.org/presentationml/2006/main">
   <p:cSld>
     <p:spTree>
@@ -5563,7 +4348,7 @@
 </p:sld>
 </file>
 
-<file path=ppt/slides/slide17.xml><?xml version="1.0" encoding="utf-8"?>
+<file path=ppt/slides/slide13.xml><?xml version="1.0" encoding="utf-8"?>
 <p:sld xmlns:a="http://schemas.openxmlformats.org/drawingml/2006/main" xmlns:r="http://schemas.openxmlformats.org/officeDocument/2006/relationships" xmlns:p="http://schemas.openxmlformats.org/presentationml/2006/main">
   <p:cSld>
     <p:spTree>
@@ -5608,6 +4393,35 @@
           </a:p>
         </p:txBody>
       </p:sp>
+      <p:pic>
+        <p:nvPicPr>
+          <p:cNvPr id="5" name="Content Placeholder 4">
+            <a:extLst>
+              <a:ext uri="{FF2B5EF4-FFF2-40B4-BE49-F238E27FC236}">
+                <a16:creationId xmlns:a16="http://schemas.microsoft.com/office/drawing/2014/main" id="{74F4CC77-B4F3-ECD5-5104-4B51C2BAB40A}"/>
+              </a:ext>
+            </a:extLst>
+          </p:cNvPr>
+          <p:cNvPicPr>
+            <a:picLocks noGrp="1" noChangeAspect="1"/>
+          </p:cNvPicPr>
+          <p:nvPr>
+            <p:ph idx="1"/>
+          </p:nvPr>
+        </p:nvPicPr>
+        <p:blipFill>
+          <a:blip r:embed="rId2"/>
+          <a:stretch>
+            <a:fillRect/>
+          </a:stretch>
+        </p:blipFill>
+        <p:spPr>
+          <a:xfrm>
+            <a:off x="2827637" y="1601532"/>
+            <a:ext cx="6860059" cy="4283000"/>
+          </a:xfrm>
+        </p:spPr>
+      </p:pic>
       <p:sp>
         <p:nvSpPr>
           <p:cNvPr id="6" name="TextBox 5">
@@ -5643,35 +4457,6 @@
           </a:p>
         </p:txBody>
       </p:sp>
-      <p:pic>
-        <p:nvPicPr>
-          <p:cNvPr id="12" name="Content Placeholder 11">
-            <a:extLst>
-              <a:ext uri="{FF2B5EF4-FFF2-40B4-BE49-F238E27FC236}">
-                <a16:creationId xmlns:a16="http://schemas.microsoft.com/office/drawing/2014/main" id="{217F794F-D9EE-9AFC-D21A-85F56EA0FDBC}"/>
-              </a:ext>
-            </a:extLst>
-          </p:cNvPr>
-          <p:cNvPicPr>
-            <a:picLocks noGrp="1" noChangeAspect="1"/>
-          </p:cNvPicPr>
-          <p:nvPr>
-            <p:ph idx="1"/>
-          </p:nvPr>
-        </p:nvPicPr>
-        <p:blipFill>
-          <a:blip r:embed="rId2"/>
-          <a:stretch>
-            <a:fillRect/>
-          </a:stretch>
-        </p:blipFill>
-        <p:spPr>
-          <a:xfrm>
-            <a:off x="2276217" y="1485991"/>
-            <a:ext cx="7639565" cy="4351338"/>
-          </a:xfrm>
-        </p:spPr>
-      </p:pic>
     </p:spTree>
     <p:extLst>
       <p:ext uri="{BB962C8B-B14F-4D97-AF65-F5344CB8AC3E}">
@@ -5685,7 +4470,7 @@
 </p:sld>
 </file>
 
-<file path=ppt/slides/slide18.xml><?xml version="1.0" encoding="utf-8"?>
+<file path=ppt/slides/slide14.xml><?xml version="1.0" encoding="utf-8"?>
 <p:sld xmlns:a="http://schemas.openxmlformats.org/drawingml/2006/main" xmlns:r="http://schemas.openxmlformats.org/officeDocument/2006/relationships" xmlns:p="http://schemas.openxmlformats.org/presentationml/2006/main">
   <p:cSld>
     <p:spTree>
@@ -6290,119 +5075,6 @@
           <a:p>
             <a:r>
               <a:rPr lang="en-US" dirty="0"/>
-              <a:t>Reason for Writing </a:t>
-            </a:r>
-            <a:r>
-              <a:rPr lang="en-US"/>
-              <a:t>Custom Python </a:t>
-            </a:r>
-            <a:r>
-              <a:rPr lang="en-US" dirty="0"/>
-              <a:t>S</a:t>
-            </a:r>
-            <a:r>
-              <a:rPr lang="en-US"/>
-              <a:t>cript</a:t>
-            </a:r>
-            <a:endParaRPr lang="en-US" dirty="0"/>
-          </a:p>
-        </p:txBody>
-      </p:sp>
-      <p:sp>
-        <p:nvSpPr>
-          <p:cNvPr id="3" name="Content Placeholder 2">
-            <a:extLst>
-              <a:ext uri="{FF2B5EF4-FFF2-40B4-BE49-F238E27FC236}">
-                <a16:creationId xmlns:a16="http://schemas.microsoft.com/office/drawing/2014/main" id="{44FC921D-24FE-A156-79E4-83CDC7499A31}"/>
-              </a:ext>
-            </a:extLst>
-          </p:cNvPr>
-          <p:cNvSpPr>
-            <a:spLocks noGrp="1"/>
-          </p:cNvSpPr>
-          <p:nvPr>
-            <p:ph idx="1"/>
-          </p:nvPr>
-        </p:nvSpPr>
-        <p:spPr/>
-        <p:txBody>
-          <a:bodyPr/>
-          <a:lstStyle/>
-          <a:p>
-            <a:r>
-              <a:rPr lang="en-US" dirty="0"/>
-              <a:t>Had the intention to do quite a number of customization which could not be done with </a:t>
-            </a:r>
-            <a:r>
-              <a:rPr lang="en-US" dirty="0" err="1"/>
-              <a:t>Airbyte</a:t>
-            </a:r>
-            <a:r>
-              <a:rPr lang="en-US" dirty="0"/>
-              <a:t> but could be done with customized ETL code.</a:t>
-            </a:r>
-          </a:p>
-          <a:p>
-            <a:r>
-              <a:rPr lang="en-US" dirty="0"/>
-              <a:t>Wanted to connect the Postgres DB to an actual UI interface to allow user to change the inputs (which I did not have time to complete)</a:t>
-            </a:r>
-          </a:p>
-        </p:txBody>
-      </p:sp>
-    </p:spTree>
-    <p:extLst>
-      <p:ext uri="{BB962C8B-B14F-4D97-AF65-F5344CB8AC3E}">
-        <p14:creationId xmlns:p14="http://schemas.microsoft.com/office/powerpoint/2010/main" val="975857106"/>
-      </p:ext>
-    </p:extLst>
-  </p:cSld>
-  <p:clrMapOvr>
-    <a:masterClrMapping/>
-  </p:clrMapOvr>
-</p:sld>
-</file>
-
-<file path=ppt/slides/slide5.xml><?xml version="1.0" encoding="utf-8"?>
-<p:sld xmlns:a="http://schemas.openxmlformats.org/drawingml/2006/main" xmlns:r="http://schemas.openxmlformats.org/officeDocument/2006/relationships" xmlns:p="http://schemas.openxmlformats.org/presentationml/2006/main">
-  <p:cSld>
-    <p:spTree>
-      <p:nvGrpSpPr>
-        <p:cNvPr id="1" name=""/>
-        <p:cNvGrpSpPr/>
-        <p:nvPr/>
-      </p:nvGrpSpPr>
-      <p:grpSpPr>
-        <a:xfrm>
-          <a:off x="0" y="0"/>
-          <a:ext cx="0" cy="0"/>
-          <a:chOff x="0" y="0"/>
-          <a:chExt cx="0" cy="0"/>
-        </a:xfrm>
-      </p:grpSpPr>
-      <p:sp>
-        <p:nvSpPr>
-          <p:cNvPr id="2" name="Title 1">
-            <a:extLst>
-              <a:ext uri="{FF2B5EF4-FFF2-40B4-BE49-F238E27FC236}">
-                <a16:creationId xmlns:a16="http://schemas.microsoft.com/office/drawing/2014/main" id="{90D36177-BC81-2852-FD4B-F60813D8ABE8}"/>
-              </a:ext>
-            </a:extLst>
-          </p:cNvPr>
-          <p:cNvSpPr>
-            <a:spLocks noGrp="1"/>
-          </p:cNvSpPr>
-          <p:nvPr>
-            <p:ph type="title"/>
-          </p:nvPr>
-        </p:nvSpPr>
-        <p:spPr/>
-        <p:txBody>
-          <a:bodyPr/>
-          <a:lstStyle/>
-          <a:p>
-            <a:r>
-              <a:rPr lang="en-US" dirty="0"/>
               <a:t>Dataset</a:t>
             </a:r>
           </a:p>
@@ -6487,7 +5159,7 @@
     </p:spTree>
     <p:extLst>
       <p:ext uri="{BB962C8B-B14F-4D97-AF65-F5344CB8AC3E}">
-        <p14:creationId xmlns:p14="http://schemas.microsoft.com/office/powerpoint/2010/main" val="2446718438"/>
+        <p14:creationId xmlns:p14="http://schemas.microsoft.com/office/powerpoint/2010/main" val="975857106"/>
       </p:ext>
     </p:extLst>
   </p:cSld>
@@ -6497,7 +5169,7 @@
 </p:sld>
 </file>
 
-<file path=ppt/slides/slide6.xml><?xml version="1.0" encoding="utf-8"?>
+<file path=ppt/slides/slide5.xml><?xml version="1.0" encoding="utf-8"?>
 <p:sld xmlns:a="http://schemas.openxmlformats.org/drawingml/2006/main" xmlns:r="http://schemas.openxmlformats.org/officeDocument/2006/relationships" xmlns:p="http://schemas.openxmlformats.org/presentationml/2006/main">
   <p:cSld>
     <p:spTree>
@@ -6641,7 +5313,7 @@
 </p:sld>
 </file>
 
-<file path=ppt/slides/slide7.xml><?xml version="1.0" encoding="utf-8"?>
+<file path=ppt/slides/slide6.xml><?xml version="1.0" encoding="utf-8"?>
 <p:sld xmlns:a="http://schemas.openxmlformats.org/drawingml/2006/main" xmlns:r="http://schemas.openxmlformats.org/officeDocument/2006/relationships" xmlns:p="http://schemas.openxmlformats.org/presentationml/2006/main">
   <p:cSld>
     <p:spTree>
@@ -6702,12 +5374,7 @@
             <p:ph idx="1"/>
           </p:nvPr>
         </p:nvSpPr>
-        <p:spPr>
-          <a:xfrm>
-            <a:off x="838200" y="1825625"/>
-            <a:ext cx="6086707" cy="4351338"/>
-          </a:xfrm>
-        </p:spPr>
+        <p:spPr/>
         <p:txBody>
           <a:bodyPr/>
           <a:lstStyle/>
@@ -6722,13 +5389,6 @@
             <a:r>
               <a:rPr lang="en-US" dirty="0"/>
               <a:t>Did some simple tests only</a:t>
-            </a:r>
-          </a:p>
-          <a:p>
-            <a:pPr lvl="1"/>
-            <a:r>
-              <a:rPr lang="en-US" dirty="0"/>
-              <a:t>Did testing on the Date column mostly because I used it as the primary key</a:t>
             </a:r>
           </a:p>
         </p:txBody>
@@ -6776,6 +5436,98 @@
 </p:sld>
 </file>
 
+<file path=ppt/slides/slide7.xml><?xml version="1.0" encoding="utf-8"?>
+<p:sld xmlns:a="http://schemas.openxmlformats.org/drawingml/2006/main" xmlns:r="http://schemas.openxmlformats.org/officeDocument/2006/relationships" xmlns:p="http://schemas.openxmlformats.org/presentationml/2006/main">
+  <p:cSld>
+    <p:spTree>
+      <p:nvGrpSpPr>
+        <p:cNvPr id="1" name=""/>
+        <p:cNvGrpSpPr/>
+        <p:nvPr/>
+      </p:nvGrpSpPr>
+      <p:grpSpPr>
+        <a:xfrm>
+          <a:off x="0" y="0"/>
+          <a:ext cx="0" cy="0"/>
+          <a:chOff x="0" y="0"/>
+          <a:chExt cx="0" cy="0"/>
+        </a:xfrm>
+      </p:grpSpPr>
+      <p:sp>
+        <p:nvSpPr>
+          <p:cNvPr id="2" name="Title 1">
+            <a:extLst>
+              <a:ext uri="{FF2B5EF4-FFF2-40B4-BE49-F238E27FC236}">
+                <a16:creationId xmlns:a16="http://schemas.microsoft.com/office/drawing/2014/main" id="{41C79F00-32E1-137E-AB63-0B446F60807C}"/>
+              </a:ext>
+            </a:extLst>
+          </p:cNvPr>
+          <p:cNvSpPr>
+            <a:spLocks noGrp="1"/>
+          </p:cNvSpPr>
+          <p:nvPr>
+            <p:ph type="title"/>
+          </p:nvPr>
+        </p:nvSpPr>
+        <p:spPr/>
+        <p:txBody>
+          <a:bodyPr/>
+          <a:lstStyle/>
+          <a:p>
+            <a:r>
+              <a:rPr lang="en-US" dirty="0"/>
+              <a:t>DBT – DBT Transformations</a:t>
+            </a:r>
+          </a:p>
+        </p:txBody>
+      </p:sp>
+      <p:sp>
+        <p:nvSpPr>
+          <p:cNvPr id="3" name="Content Placeholder 2">
+            <a:extLst>
+              <a:ext uri="{FF2B5EF4-FFF2-40B4-BE49-F238E27FC236}">
+                <a16:creationId xmlns:a16="http://schemas.microsoft.com/office/drawing/2014/main" id="{48833279-0434-5D32-0ED1-52E380653A8B}"/>
+              </a:ext>
+            </a:extLst>
+          </p:cNvPr>
+          <p:cNvSpPr>
+            <a:spLocks noGrp="1"/>
+          </p:cNvSpPr>
+          <p:nvPr>
+            <p:ph idx="1"/>
+          </p:nvPr>
+        </p:nvSpPr>
+        <p:spPr/>
+        <p:txBody>
+          <a:bodyPr/>
+          <a:lstStyle/>
+          <a:p>
+            <a:r>
+              <a:rPr lang="en-US" dirty="0"/>
+              <a:t>Lots of transformations were done</a:t>
+            </a:r>
+          </a:p>
+          <a:p>
+            <a:r>
+              <a:rPr lang="en-US" dirty="0"/>
+              <a:t>Will just go through the most difficult one which is Beta</a:t>
+            </a:r>
+          </a:p>
+        </p:txBody>
+      </p:sp>
+    </p:spTree>
+    <p:extLst>
+      <p:ext uri="{BB962C8B-B14F-4D97-AF65-F5344CB8AC3E}">
+        <p14:creationId xmlns:p14="http://schemas.microsoft.com/office/powerpoint/2010/main" val="2072635720"/>
+      </p:ext>
+    </p:extLst>
+  </p:cSld>
+  <p:clrMapOvr>
+    <a:masterClrMapping/>
+  </p:clrMapOvr>
+</p:sld>
+</file>
+
 <file path=ppt/slides/slide8.xml><?xml version="1.0" encoding="utf-8"?>
 <p:sld xmlns:a="http://schemas.openxmlformats.org/drawingml/2006/main" xmlns:r="http://schemas.openxmlformats.org/officeDocument/2006/relationships" xmlns:p="http://schemas.openxmlformats.org/presentationml/2006/main">
   <p:cSld>
@@ -6798,7 +5550,7 @@
           <p:cNvPr id="2" name="Title 1">
             <a:extLst>
               <a:ext uri="{FF2B5EF4-FFF2-40B4-BE49-F238E27FC236}">
-                <a16:creationId xmlns:a16="http://schemas.microsoft.com/office/drawing/2014/main" id="{41C79F00-32E1-137E-AB63-0B446F60807C}"/>
+                <a16:creationId xmlns:a16="http://schemas.microsoft.com/office/drawing/2014/main" id="{3C70B526-ACB9-7D1E-080C-D672F615D3B0}"/>
               </a:ext>
             </a:extLst>
           </p:cNvPr>
@@ -6816,49 +5568,212 @@
           <a:p>
             <a:r>
               <a:rPr lang="en-US" dirty="0"/>
-              <a:t>DBT – DBT Transformations</a:t>
-            </a:r>
-          </a:p>
-        </p:txBody>
-      </p:sp>
-      <p:sp>
-        <p:nvSpPr>
-          <p:cNvPr id="3" name="Content Placeholder 2">
-            <a:extLst>
-              <a:ext uri="{FF2B5EF4-FFF2-40B4-BE49-F238E27FC236}">
-                <a16:creationId xmlns:a16="http://schemas.microsoft.com/office/drawing/2014/main" id="{48833279-0434-5D32-0ED1-52E380653A8B}"/>
-              </a:ext>
-            </a:extLst>
-          </p:cNvPr>
-          <p:cNvSpPr>
-            <a:spLocks noGrp="1"/>
-          </p:cNvSpPr>
+              <a:t>Beta</a:t>
+            </a:r>
+          </a:p>
+        </p:txBody>
+      </p:sp>
+      <p:pic>
+        <p:nvPicPr>
+          <p:cNvPr id="6" name="Content Placeholder 5">
+            <a:extLst>
+              <a:ext uri="{FF2B5EF4-FFF2-40B4-BE49-F238E27FC236}">
+                <a16:creationId xmlns:a16="http://schemas.microsoft.com/office/drawing/2014/main" id="{3F8CA382-ADAF-3AAA-60B9-8786AA66FC70}"/>
+              </a:ext>
+            </a:extLst>
+          </p:cNvPr>
+          <p:cNvPicPr>
+            <a:picLocks noGrp="1" noChangeAspect="1"/>
+          </p:cNvPicPr>
           <p:nvPr>
             <p:ph idx="1"/>
           </p:nvPr>
-        </p:nvSpPr>
-        <p:spPr/>
-        <p:txBody>
-          <a:bodyPr/>
-          <a:lstStyle/>
-          <a:p>
-            <a:r>
-              <a:rPr lang="en-US" dirty="0"/>
-              <a:t>Lots of transformations were done</a:t>
-            </a:r>
-          </a:p>
-          <a:p>
-            <a:r>
-              <a:rPr lang="en-US" dirty="0"/>
-              <a:t>Will just go through the most difficult one which is Beta</a:t>
-            </a:r>
-          </a:p>
-        </p:txBody>
-      </p:sp>
+        </p:nvPicPr>
+        <p:blipFill>
+          <a:blip r:embed="rId2"/>
+          <a:stretch>
+            <a:fillRect/>
+          </a:stretch>
+        </p:blipFill>
+        <p:spPr>
+          <a:xfrm>
+            <a:off x="838200" y="1328745"/>
+            <a:ext cx="3609625" cy="3490143"/>
+          </a:xfrm>
+        </p:spPr>
+      </p:pic>
+      <p:pic>
+        <p:nvPicPr>
+          <p:cNvPr id="8" name="Picture 7">
+            <a:extLst>
+              <a:ext uri="{FF2B5EF4-FFF2-40B4-BE49-F238E27FC236}">
+                <a16:creationId xmlns:a16="http://schemas.microsoft.com/office/drawing/2014/main" id="{76E4B93C-913C-5DC3-3CB0-6C395DEBC423}"/>
+              </a:ext>
+            </a:extLst>
+          </p:cNvPr>
+          <p:cNvPicPr>
+            <a:picLocks noChangeAspect="1"/>
+          </p:cNvPicPr>
+          <p:nvPr/>
+        </p:nvPicPr>
+        <p:blipFill rotWithShape="1">
+          <a:blip r:embed="rId3"/>
+          <a:srcRect l="18137" t="5120"/>
+          <a:stretch/>
+        </p:blipFill>
+        <p:spPr>
+          <a:xfrm>
+            <a:off x="838200" y="5138928"/>
+            <a:ext cx="6609233" cy="1543229"/>
+          </a:xfrm>
+          <a:prstGeom prst="rect">
+            <a:avLst/>
+          </a:prstGeom>
+        </p:spPr>
+      </p:pic>
+      <p:sp>
+        <p:nvSpPr>
+          <p:cNvPr id="9" name="TextBox 8">
+            <a:extLst>
+              <a:ext uri="{FF2B5EF4-FFF2-40B4-BE49-F238E27FC236}">
+                <a16:creationId xmlns:a16="http://schemas.microsoft.com/office/drawing/2014/main" id="{C6F11E20-CCCF-79C0-191B-1BB7F3724AE0}"/>
+              </a:ext>
+            </a:extLst>
+          </p:cNvPr>
+          <p:cNvSpPr txBox="1"/>
+          <p:nvPr/>
+        </p:nvSpPr>
+        <p:spPr>
+          <a:xfrm>
+            <a:off x="4447825" y="1158210"/>
+            <a:ext cx="6785034" cy="2169825"/>
+          </a:xfrm>
+          <a:prstGeom prst="rect">
+            <a:avLst/>
+          </a:prstGeom>
+          <a:noFill/>
+        </p:spPr>
+        <p:txBody>
+          <a:bodyPr wrap="square" rtlCol="0">
+            <a:spAutoFit/>
+          </a:bodyPr>
+          <a:lstStyle/>
+          <a:p>
+            <a:r>
+              <a:rPr lang="en-US" sz="1500" dirty="0"/>
+              <a:t>Explanation:</a:t>
+            </a:r>
+          </a:p>
+          <a:p>
+            <a:pPr marL="285750" indent="-285750">
+              <a:buFontTx/>
+              <a:buChar char="-"/>
+            </a:pPr>
+            <a:r>
+              <a:rPr lang="en-US" sz="1500" dirty="0"/>
+              <a:t>Beta is a concept that measures the expected move in a stock relative to movements in the overall market (or referenced index). </a:t>
+            </a:r>
+          </a:p>
+          <a:p>
+            <a:pPr marL="285750" indent="-285750">
+              <a:buFontTx/>
+              <a:buChar char="-"/>
+            </a:pPr>
+            <a:r>
+              <a:rPr lang="en-US" sz="1500" dirty="0"/>
+              <a:t>A beta greater than 1.0 suggests that the stock is more volatile than the broader market, </a:t>
+            </a:r>
+          </a:p>
+          <a:p>
+            <a:pPr marL="285750" indent="-285750">
+              <a:buFontTx/>
+              <a:buChar char="-"/>
+            </a:pPr>
+            <a:r>
+              <a:rPr lang="en-US" sz="1500" dirty="0"/>
+              <a:t>and a beta less than 1.0 indicates a stock with lower volatility.</a:t>
+            </a:r>
+          </a:p>
+          <a:p>
+            <a:pPr marL="285750" indent="-285750">
+              <a:buFontTx/>
+              <a:buChar char="-"/>
+            </a:pPr>
+            <a:r>
+              <a:rPr lang="en-US" sz="1500" dirty="0"/>
+              <a:t>Volatility is also seen as risk in finance</a:t>
+            </a:r>
+          </a:p>
+          <a:p>
+            <a:pPr marL="285750" indent="-285750">
+              <a:buFontTx/>
+              <a:buChar char="-"/>
+            </a:pPr>
+            <a:r>
+              <a:rPr lang="en-US" sz="1500" dirty="0"/>
+              <a:t>Reference index is SPY (S and P 500) in this case</a:t>
+            </a:r>
+          </a:p>
+          <a:p>
+            <a:pPr marL="285750" indent="-285750">
+              <a:buFontTx/>
+              <a:buChar char="-"/>
+            </a:pPr>
+            <a:endParaRPr lang="en-US" sz="1500" dirty="0"/>
+          </a:p>
+        </p:txBody>
+      </p:sp>
+      <p:pic>
+        <p:nvPicPr>
+          <p:cNvPr id="1026" name="Picture 2" descr="Beta Formula (Top 3 Methods) | Step by Step Examples to Calculate Beta">
+            <a:extLst>
+              <a:ext uri="{FF2B5EF4-FFF2-40B4-BE49-F238E27FC236}">
+                <a16:creationId xmlns:a16="http://schemas.microsoft.com/office/drawing/2014/main" id="{606D66E2-BBCF-1193-D4C7-B110B5DC0DC9}"/>
+              </a:ext>
+            </a:extLst>
+          </p:cNvPr>
+          <p:cNvPicPr>
+            <a:picLocks noChangeAspect="1" noChangeArrowheads="1"/>
+          </p:cNvPicPr>
+          <p:nvPr/>
+        </p:nvPicPr>
+        <p:blipFill>
+          <a:blip r:embed="rId4">
+            <a:extLst>
+              <a:ext uri="{28A0092B-C50C-407E-A947-70E740481C1C}">
+                <a14:useLocalDpi xmlns:a14="http://schemas.microsoft.com/office/drawing/2010/main" val="0"/>
+              </a:ext>
+            </a:extLst>
+          </a:blip>
+          <a:srcRect/>
+          <a:stretch>
+            <a:fillRect/>
+          </a:stretch>
+        </p:blipFill>
+        <p:spPr bwMode="auto">
+          <a:xfrm>
+            <a:off x="5250180" y="3073816"/>
+            <a:ext cx="4206240" cy="1893903"/>
+          </a:xfrm>
+          <a:prstGeom prst="rect">
+            <a:avLst/>
+          </a:prstGeom>
+          <a:noFill/>
+          <a:extLst>
+            <a:ext uri="{909E8E84-426E-40DD-AFC4-6F175D3DCCD1}">
+              <a14:hiddenFill xmlns:a14="http://schemas.microsoft.com/office/drawing/2010/main">
+                <a:solidFill>
+                  <a:srgbClr val="FFFFFF"/>
+                </a:solidFill>
+              </a14:hiddenFill>
+            </a:ext>
+          </a:extLst>
+        </p:spPr>
+      </p:pic>
     </p:spTree>
     <p:extLst>
       <p:ext uri="{BB962C8B-B14F-4D97-AF65-F5344CB8AC3E}">
-        <p14:creationId xmlns:p14="http://schemas.microsoft.com/office/powerpoint/2010/main" val="2072635720"/>
+        <p14:creationId xmlns:p14="http://schemas.microsoft.com/office/powerpoint/2010/main" val="1645009673"/>
       </p:ext>
     </p:extLst>
   </p:cSld>
@@ -6890,7 +5805,7 @@
           <p:cNvPr id="2" name="Title 1">
             <a:extLst>
               <a:ext uri="{FF2B5EF4-FFF2-40B4-BE49-F238E27FC236}">
-                <a16:creationId xmlns:a16="http://schemas.microsoft.com/office/drawing/2014/main" id="{3C70B526-ACB9-7D1E-080C-D672F615D3B0}"/>
+                <a16:creationId xmlns:a16="http://schemas.microsoft.com/office/drawing/2014/main" id="{7604C34B-2F74-7466-ADD8-A2E17E9E5E2A}"/>
               </a:ext>
             </a:extLst>
           </p:cNvPr>
@@ -6908,26 +5823,79 @@
           <a:p>
             <a:r>
               <a:rPr lang="en-US" dirty="0"/>
-              <a:t>Beta</a:t>
-            </a:r>
+              <a:t>Data Orchestration (Airflow)</a:t>
+            </a:r>
+          </a:p>
+        </p:txBody>
+      </p:sp>
+      <p:sp>
+        <p:nvSpPr>
+          <p:cNvPr id="3" name="Content Placeholder 2">
+            <a:extLst>
+              <a:ext uri="{FF2B5EF4-FFF2-40B4-BE49-F238E27FC236}">
+                <a16:creationId xmlns:a16="http://schemas.microsoft.com/office/drawing/2014/main" id="{5D9238FC-5462-033A-DC92-7490DC7DCA78}"/>
+              </a:ext>
+            </a:extLst>
+          </p:cNvPr>
+          <p:cNvSpPr>
+            <a:spLocks noGrp="1"/>
+          </p:cNvSpPr>
+          <p:nvPr>
+            <p:ph idx="1"/>
+          </p:nvPr>
+        </p:nvSpPr>
+        <p:spPr/>
+        <p:txBody>
+          <a:bodyPr/>
+          <a:lstStyle/>
+          <a:p>
+            <a:pPr marL="0" indent="0">
+              <a:buNone/>
+            </a:pPr>
+            <a:r>
+              <a:rPr lang="en-US" dirty="0"/>
+              <a:t>Pros</a:t>
+            </a:r>
+          </a:p>
+          <a:p>
+            <a:r>
+              <a:rPr lang="en-US" dirty="0"/>
+              <a:t>Relatively easy to use and nice to have just one dashboard and diagram for all the tasks.</a:t>
+            </a:r>
+          </a:p>
+          <a:p>
+            <a:pPr marL="0" indent="0">
+              <a:buNone/>
+            </a:pPr>
+            <a:r>
+              <a:rPr lang="en-US" dirty="0"/>
+              <a:t>Cons</a:t>
+            </a:r>
+          </a:p>
+          <a:p>
+            <a:r>
+              <a:rPr lang="en-US" dirty="0"/>
+              <a:t>Using Airflow in this use case is an overkill, not to mention pretty expensive (requires t2.medium in dev and t2.large in prod)</a:t>
+            </a:r>
+          </a:p>
+          <a:p>
+            <a:endParaRPr lang="en-US" dirty="0"/>
           </a:p>
         </p:txBody>
       </p:sp>
       <p:pic>
         <p:nvPicPr>
-          <p:cNvPr id="6" name="Content Placeholder 5">
-            <a:extLst>
-              <a:ext uri="{FF2B5EF4-FFF2-40B4-BE49-F238E27FC236}">
-                <a16:creationId xmlns:a16="http://schemas.microsoft.com/office/drawing/2014/main" id="{3F8CA382-ADAF-3AAA-60B9-8786AA66FC70}"/>
+          <p:cNvPr id="5" name="Picture 4">
+            <a:extLst>
+              <a:ext uri="{FF2B5EF4-FFF2-40B4-BE49-F238E27FC236}">
+                <a16:creationId xmlns:a16="http://schemas.microsoft.com/office/drawing/2014/main" id="{CBB8DEC1-2EEF-278C-E7C4-E33DBBCC3B55}"/>
               </a:ext>
             </a:extLst>
           </p:cNvPr>
           <p:cNvPicPr>
-            <a:picLocks noGrp="1" noChangeAspect="1"/>
+            <a:picLocks noChangeAspect="1"/>
           </p:cNvPicPr>
-          <p:nvPr>
-            <p:ph idx="1"/>
-          </p:nvPr>
+          <p:nvPr/>
         </p:nvPicPr>
         <p:blipFill>
           <a:blip r:embed="rId2"/>
@@ -6937,218 +5905,18 @@
         </p:blipFill>
         <p:spPr>
           <a:xfrm>
-            <a:off x="838200" y="1328745"/>
-            <a:ext cx="3609625" cy="3490143"/>
-          </a:xfrm>
-        </p:spPr>
-      </p:pic>
-      <p:pic>
-        <p:nvPicPr>
-          <p:cNvPr id="8" name="Picture 7">
-            <a:extLst>
-              <a:ext uri="{FF2B5EF4-FFF2-40B4-BE49-F238E27FC236}">
-                <a16:creationId xmlns:a16="http://schemas.microsoft.com/office/drawing/2014/main" id="{76E4B93C-913C-5DC3-3CB0-6C395DEBC423}"/>
-              </a:ext>
-            </a:extLst>
-          </p:cNvPr>
-          <p:cNvPicPr>
-            <a:picLocks noChangeAspect="1"/>
-          </p:cNvPicPr>
-          <p:nvPr/>
-        </p:nvPicPr>
-        <p:blipFill rotWithShape="1">
-          <a:blip r:embed="rId3"/>
-          <a:srcRect l="18137" t="5120"/>
-          <a:stretch/>
-        </p:blipFill>
-        <p:spPr>
-          <a:xfrm>
-            <a:off x="838200" y="5138928"/>
-            <a:ext cx="6609233" cy="1543229"/>
+            <a:off x="2500867" y="4707269"/>
+            <a:ext cx="5829300" cy="2019300"/>
           </a:xfrm>
           <a:prstGeom prst="rect">
             <a:avLst/>
           </a:prstGeom>
         </p:spPr>
       </p:pic>
-      <p:sp>
-        <p:nvSpPr>
-          <p:cNvPr id="9" name="TextBox 8">
-            <a:extLst>
-              <a:ext uri="{FF2B5EF4-FFF2-40B4-BE49-F238E27FC236}">
-                <a16:creationId xmlns:a16="http://schemas.microsoft.com/office/drawing/2014/main" id="{C6F11E20-CCCF-79C0-191B-1BB7F3724AE0}"/>
-              </a:ext>
-            </a:extLst>
-          </p:cNvPr>
-          <p:cNvSpPr txBox="1"/>
-          <p:nvPr/>
-        </p:nvSpPr>
-        <p:spPr>
-          <a:xfrm>
-            <a:off x="4447825" y="1158210"/>
-            <a:ext cx="6785034" cy="2169825"/>
-          </a:xfrm>
-          <a:prstGeom prst="rect">
-            <a:avLst/>
-          </a:prstGeom>
-          <a:noFill/>
-        </p:spPr>
-        <p:txBody>
-          <a:bodyPr wrap="square" rtlCol="0">
-            <a:spAutoFit/>
-          </a:bodyPr>
-          <a:lstStyle/>
-          <a:p>
-            <a:r>
-              <a:rPr lang="en-US" sz="1500" dirty="0"/>
-              <a:t>Explanation:</a:t>
-            </a:r>
-          </a:p>
-          <a:p>
-            <a:pPr marL="285750" indent="-285750">
-              <a:buFontTx/>
-              <a:buChar char="-"/>
-            </a:pPr>
-            <a:r>
-              <a:rPr lang="en-US" sz="1500" dirty="0"/>
-              <a:t>Beta is a concept that measures the expected move (volatility) in a stock relative to movements in the overall market (or referenced index). </a:t>
-            </a:r>
-          </a:p>
-          <a:p>
-            <a:pPr marL="285750" indent="-285750">
-              <a:buFontTx/>
-              <a:buChar char="-"/>
-            </a:pPr>
-            <a:r>
-              <a:rPr lang="en-US" sz="1500" dirty="0"/>
-              <a:t>A beta greater than 1.0 suggests that the stock is more volatile than the broader market, </a:t>
-            </a:r>
-          </a:p>
-          <a:p>
-            <a:pPr marL="285750" indent="-285750">
-              <a:buFontTx/>
-              <a:buChar char="-"/>
-            </a:pPr>
-            <a:r>
-              <a:rPr lang="en-US" sz="1500" dirty="0"/>
-              <a:t>and a beta less than 1.0 indicates a stock with lower volatility.</a:t>
-            </a:r>
-          </a:p>
-          <a:p>
-            <a:pPr marL="285750" indent="-285750">
-              <a:buFontTx/>
-              <a:buChar char="-"/>
-            </a:pPr>
-            <a:r>
-              <a:rPr lang="en-US" sz="1500" dirty="0"/>
-              <a:t>Volatility is also seen as risk in finance</a:t>
-            </a:r>
-          </a:p>
-          <a:p>
-            <a:pPr marL="285750" indent="-285750">
-              <a:buFontTx/>
-              <a:buChar char="-"/>
-            </a:pPr>
-            <a:r>
-              <a:rPr lang="en-US" sz="1500" dirty="0"/>
-              <a:t>Reference index is SPY (S and P 500) in this case</a:t>
-            </a:r>
-          </a:p>
-          <a:p>
-            <a:pPr marL="285750" indent="-285750">
-              <a:buFontTx/>
-              <a:buChar char="-"/>
-            </a:pPr>
-            <a:endParaRPr lang="en-US" sz="1500" dirty="0"/>
-          </a:p>
-        </p:txBody>
-      </p:sp>
-      <p:pic>
-        <p:nvPicPr>
-          <p:cNvPr id="1026" name="Picture 2" descr="Beta Formula (Top 3 Methods) | Step by Step Examples to Calculate Beta">
-            <a:extLst>
-              <a:ext uri="{FF2B5EF4-FFF2-40B4-BE49-F238E27FC236}">
-                <a16:creationId xmlns:a16="http://schemas.microsoft.com/office/drawing/2014/main" id="{606D66E2-BBCF-1193-D4C7-B110B5DC0DC9}"/>
-              </a:ext>
-            </a:extLst>
-          </p:cNvPr>
-          <p:cNvPicPr>
-            <a:picLocks noChangeAspect="1" noChangeArrowheads="1"/>
-          </p:cNvPicPr>
-          <p:nvPr/>
-        </p:nvPicPr>
-        <p:blipFill>
-          <a:blip r:embed="rId4">
-            <a:extLst>
-              <a:ext uri="{28A0092B-C50C-407E-A947-70E740481C1C}">
-                <a14:useLocalDpi xmlns:a14="http://schemas.microsoft.com/office/drawing/2010/main" val="0"/>
-              </a:ext>
-            </a:extLst>
-          </a:blip>
-          <a:srcRect/>
-          <a:stretch>
-            <a:fillRect/>
-          </a:stretch>
-        </p:blipFill>
-        <p:spPr bwMode="auto">
-          <a:xfrm>
-            <a:off x="5250180" y="3073816"/>
-            <a:ext cx="4206240" cy="1893903"/>
-          </a:xfrm>
-          <a:prstGeom prst="rect">
-            <a:avLst/>
-          </a:prstGeom>
-          <a:noFill/>
-          <a:extLst>
-            <a:ext uri="{909E8E84-426E-40DD-AFC4-6F175D3DCCD1}">
-              <a14:hiddenFill xmlns:a14="http://schemas.microsoft.com/office/drawing/2010/main">
-                <a:solidFill>
-                  <a:srgbClr val="FFFFFF"/>
-                </a:solidFill>
-              </a14:hiddenFill>
-            </a:ext>
-          </a:extLst>
-        </p:spPr>
-      </p:pic>
-      <p:sp>
-        <p:nvSpPr>
-          <p:cNvPr id="3" name="TextBox 2">
-            <a:extLst>
-              <a:ext uri="{FF2B5EF4-FFF2-40B4-BE49-F238E27FC236}">
-                <a16:creationId xmlns:a16="http://schemas.microsoft.com/office/drawing/2014/main" id="{A6F2A2B1-9292-18A8-F4D9-8BBB0A77F018}"/>
-              </a:ext>
-            </a:extLst>
-          </p:cNvPr>
-          <p:cNvSpPr txBox="1"/>
-          <p:nvPr/>
-        </p:nvSpPr>
-        <p:spPr>
-          <a:xfrm>
-            <a:off x="7522235" y="5538158"/>
-            <a:ext cx="4451230" cy="923330"/>
-          </a:xfrm>
-          <a:prstGeom prst="rect">
-            <a:avLst/>
-          </a:prstGeom>
-          <a:noFill/>
-        </p:spPr>
-        <p:txBody>
-          <a:bodyPr wrap="square" rtlCol="0">
-            <a:spAutoFit/>
-          </a:bodyPr>
-          <a:lstStyle/>
-          <a:p>
-            <a:r>
-              <a:rPr lang="en-US" dirty="0"/>
-              <a:t>TSLA has the highest beta (volatility), and thus is the riskiest stock in this basket of stocks</a:t>
-            </a:r>
-          </a:p>
-        </p:txBody>
-      </p:sp>
     </p:spTree>
     <p:extLst>
       <p:ext uri="{BB962C8B-B14F-4D97-AF65-F5344CB8AC3E}">
-        <p14:creationId xmlns:p14="http://schemas.microsoft.com/office/powerpoint/2010/main" val="1645009673"/>
+        <p14:creationId xmlns:p14="http://schemas.microsoft.com/office/powerpoint/2010/main" val="498566706"/>
       </p:ext>
     </p:extLst>
   </p:cSld>
